--- a/Report/images/Presentation2.pptx
+++ b/Report/images/Presentation2.pptx
@@ -6,6 +6,7 @@
   </p:sldMasterIdLst>
   <p:sldIdLst>
     <p:sldId id="256" r:id="rId2"/>
+    <p:sldId id="257" r:id="rId3"/>
   </p:sldIdLst>
   <p:sldSz cx="12192000" cy="6858000"/>
   <p:notesSz cx="6858000" cy="9144000"/>
@@ -104,6 +105,11 @@
       </a:defRPr>
     </a:lvl9pPr>
   </p:defaultTextStyle>
+  <p:extLst>
+    <p:ext uri="{EFAFB233-063F-42B5-8137-9DF3F51BA10A}">
+      <p15:sldGuideLst xmlns:p15="http://schemas.microsoft.com/office/powerpoint/2012/main"/>
+    </p:ext>
+  </p:extLst>
 </p:presentation>
 </file>
 
@@ -238,7 +244,7 @@
           <a:p>
             <a:fld id="{32712650-51F8-49D6-905B-06060FDC57AC}" type="datetimeFigureOut">
               <a:rPr lang="de-CH" smtClean="0"/>
-              <a:t>25.09.2015</a:t>
+              <a:t>07.10.2015</a:t>
             </a:fld>
             <a:endParaRPr lang="de-CH"/>
           </a:p>
@@ -408,7 +414,7 @@
           <a:p>
             <a:fld id="{32712650-51F8-49D6-905B-06060FDC57AC}" type="datetimeFigureOut">
               <a:rPr lang="de-CH" smtClean="0"/>
-              <a:t>25.09.2015</a:t>
+              <a:t>07.10.2015</a:t>
             </a:fld>
             <a:endParaRPr lang="de-CH"/>
           </a:p>
@@ -588,7 +594,7 @@
           <a:p>
             <a:fld id="{32712650-51F8-49D6-905B-06060FDC57AC}" type="datetimeFigureOut">
               <a:rPr lang="de-CH" smtClean="0"/>
-              <a:t>25.09.2015</a:t>
+              <a:t>07.10.2015</a:t>
             </a:fld>
             <a:endParaRPr lang="de-CH"/>
           </a:p>
@@ -758,7 +764,7 @@
           <a:p>
             <a:fld id="{32712650-51F8-49D6-905B-06060FDC57AC}" type="datetimeFigureOut">
               <a:rPr lang="de-CH" smtClean="0"/>
-              <a:t>25.09.2015</a:t>
+              <a:t>07.10.2015</a:t>
             </a:fld>
             <a:endParaRPr lang="de-CH"/>
           </a:p>
@@ -1004,7 +1010,7 @@
           <a:p>
             <a:fld id="{32712650-51F8-49D6-905B-06060FDC57AC}" type="datetimeFigureOut">
               <a:rPr lang="de-CH" smtClean="0"/>
-              <a:t>25.09.2015</a:t>
+              <a:t>07.10.2015</a:t>
             </a:fld>
             <a:endParaRPr lang="de-CH"/>
           </a:p>
@@ -1236,7 +1242,7 @@
           <a:p>
             <a:fld id="{32712650-51F8-49D6-905B-06060FDC57AC}" type="datetimeFigureOut">
               <a:rPr lang="de-CH" smtClean="0"/>
-              <a:t>25.09.2015</a:t>
+              <a:t>07.10.2015</a:t>
             </a:fld>
             <a:endParaRPr lang="de-CH"/>
           </a:p>
@@ -1603,7 +1609,7 @@
           <a:p>
             <a:fld id="{32712650-51F8-49D6-905B-06060FDC57AC}" type="datetimeFigureOut">
               <a:rPr lang="de-CH" smtClean="0"/>
-              <a:t>25.09.2015</a:t>
+              <a:t>07.10.2015</a:t>
             </a:fld>
             <a:endParaRPr lang="de-CH"/>
           </a:p>
@@ -1721,7 +1727,7 @@
           <a:p>
             <a:fld id="{32712650-51F8-49D6-905B-06060FDC57AC}" type="datetimeFigureOut">
               <a:rPr lang="de-CH" smtClean="0"/>
-              <a:t>25.09.2015</a:t>
+              <a:t>07.10.2015</a:t>
             </a:fld>
             <a:endParaRPr lang="de-CH"/>
           </a:p>
@@ -1816,7 +1822,7 @@
           <a:p>
             <a:fld id="{32712650-51F8-49D6-905B-06060FDC57AC}" type="datetimeFigureOut">
               <a:rPr lang="de-CH" smtClean="0"/>
-              <a:t>25.09.2015</a:t>
+              <a:t>07.10.2015</a:t>
             </a:fld>
             <a:endParaRPr lang="de-CH"/>
           </a:p>
@@ -2093,7 +2099,7 @@
           <a:p>
             <a:fld id="{32712650-51F8-49D6-905B-06060FDC57AC}" type="datetimeFigureOut">
               <a:rPr lang="de-CH" smtClean="0"/>
-              <a:t>25.09.2015</a:t>
+              <a:t>07.10.2015</a:t>
             </a:fld>
             <a:endParaRPr lang="de-CH"/>
           </a:p>
@@ -2346,7 +2352,7 @@
           <a:p>
             <a:fld id="{32712650-51F8-49D6-905B-06060FDC57AC}" type="datetimeFigureOut">
               <a:rPr lang="de-CH" smtClean="0"/>
-              <a:t>25.09.2015</a:t>
+              <a:t>07.10.2015</a:t>
             </a:fld>
             <a:endParaRPr lang="de-CH"/>
           </a:p>
@@ -2559,7 +2565,7 @@
           <a:p>
             <a:fld id="{32712650-51F8-49D6-905B-06060FDC57AC}" type="datetimeFigureOut">
               <a:rPr lang="de-CH" smtClean="0"/>
-              <a:t>25.09.2015</a:t>
+              <a:t>07.10.2015</a:t>
             </a:fld>
             <a:endParaRPr lang="de-CH"/>
           </a:p>
@@ -3531,6 +3537,590 @@
 </p:sld>
 </file>
 
+<file path=ppt/slides/slide2.xml><?xml version="1.0" encoding="utf-8"?>
+<p:sld xmlns:a="http://schemas.openxmlformats.org/drawingml/2006/main" xmlns:r="http://schemas.openxmlformats.org/officeDocument/2006/relationships" xmlns:p="http://schemas.openxmlformats.org/presentationml/2006/main">
+  <p:cSld>
+    <p:spTree>
+      <p:nvGrpSpPr>
+        <p:cNvPr id="1" name=""/>
+        <p:cNvGrpSpPr/>
+        <p:nvPr/>
+      </p:nvGrpSpPr>
+      <p:grpSpPr>
+        <a:xfrm>
+          <a:off x="0" y="0"/>
+          <a:ext cx="0" cy="0"/>
+          <a:chOff x="0" y="0"/>
+          <a:chExt cx="0" cy="0"/>
+        </a:xfrm>
+      </p:grpSpPr>
+      <p:pic>
+        <p:nvPicPr>
+          <p:cNvPr id="5" name="Picture 4"/>
+          <p:cNvPicPr>
+            <a:picLocks noChangeAspect="1"/>
+          </p:cNvPicPr>
+          <p:nvPr/>
+        </p:nvPicPr>
+        <p:blipFill>
+          <a:blip r:embed="rId2"/>
+          <a:stretch>
+            <a:fillRect/>
+          </a:stretch>
+        </p:blipFill>
+        <p:spPr>
+          <a:xfrm>
+            <a:off x="439815" y="108305"/>
+            <a:ext cx="1200318" cy="1890500"/>
+          </a:xfrm>
+          <a:prstGeom prst="rect">
+            <a:avLst/>
+          </a:prstGeom>
+          <a:ln w="6350">
+            <a:solidFill>
+              <a:schemeClr val="tx1"/>
+            </a:solidFill>
+          </a:ln>
+        </p:spPr>
+      </p:pic>
+      <p:pic>
+        <p:nvPicPr>
+          <p:cNvPr id="6" name="Picture 5"/>
+          <p:cNvPicPr>
+            <a:picLocks noChangeAspect="1"/>
+          </p:cNvPicPr>
+          <p:nvPr/>
+        </p:nvPicPr>
+        <p:blipFill>
+          <a:blip r:embed="rId3"/>
+          <a:stretch>
+            <a:fillRect/>
+          </a:stretch>
+        </p:blipFill>
+        <p:spPr>
+          <a:xfrm>
+            <a:off x="2689466" y="4704783"/>
+            <a:ext cx="1063615" cy="1593755"/>
+          </a:xfrm>
+          <a:prstGeom prst="rect">
+            <a:avLst/>
+          </a:prstGeom>
+          <a:ln w="6350">
+            <a:solidFill>
+              <a:schemeClr val="tx1"/>
+            </a:solidFill>
+          </a:ln>
+        </p:spPr>
+      </p:pic>
+      <p:pic>
+        <p:nvPicPr>
+          <p:cNvPr id="12" name="Picture 11"/>
+          <p:cNvPicPr>
+            <a:picLocks noChangeAspect="1"/>
+          </p:cNvPicPr>
+          <p:nvPr/>
+        </p:nvPicPr>
+        <p:blipFill>
+          <a:blip r:embed="rId2"/>
+          <a:stretch>
+            <a:fillRect/>
+          </a:stretch>
+        </p:blipFill>
+        <p:spPr>
+          <a:xfrm>
+            <a:off x="5691202" y="871067"/>
+            <a:ext cx="1200318" cy="1890500"/>
+          </a:xfrm>
+          <a:prstGeom prst="rect">
+            <a:avLst/>
+          </a:prstGeom>
+          <a:ln w="6350">
+            <a:solidFill>
+              <a:schemeClr val="tx1"/>
+            </a:solidFill>
+          </a:ln>
+        </p:spPr>
+      </p:pic>
+      <p:pic>
+        <p:nvPicPr>
+          <p:cNvPr id="13" name="Picture 12"/>
+          <p:cNvPicPr>
+            <a:picLocks noChangeAspect="1"/>
+          </p:cNvPicPr>
+          <p:nvPr/>
+        </p:nvPicPr>
+        <p:blipFill>
+          <a:blip r:embed="rId3"/>
+          <a:stretch>
+            <a:fillRect/>
+          </a:stretch>
+        </p:blipFill>
+        <p:spPr>
+          <a:xfrm>
+            <a:off x="10348784" y="1322463"/>
+            <a:ext cx="1063615" cy="1593755"/>
+          </a:xfrm>
+          <a:prstGeom prst="rect">
+            <a:avLst/>
+          </a:prstGeom>
+          <a:ln w="6350">
+            <a:solidFill>
+              <a:schemeClr val="tx1"/>
+            </a:solidFill>
+          </a:ln>
+        </p:spPr>
+      </p:pic>
+      <p:cxnSp>
+        <p:nvCxnSpPr>
+          <p:cNvPr id="15" name="Straight Arrow Connector 14"/>
+          <p:cNvCxnSpPr>
+            <a:stCxn id="2" idx="0"/>
+            <a:endCxn id="12" idx="2"/>
+          </p:cNvCxnSpPr>
+          <p:nvPr/>
+        </p:nvCxnSpPr>
+        <p:spPr>
+          <a:xfrm flipH="1" flipV="1">
+            <a:off x="6291361" y="2761567"/>
+            <a:ext cx="2397453" cy="979297"/>
+          </a:xfrm>
+          <a:prstGeom prst="straightConnector1">
+            <a:avLst/>
+          </a:prstGeom>
+          <a:ln w="12700">
+            <a:tailEnd type="triangle"/>
+          </a:ln>
+        </p:spPr>
+        <p:style>
+          <a:lnRef idx="1">
+            <a:schemeClr val="dk1"/>
+          </a:lnRef>
+          <a:fillRef idx="0">
+            <a:schemeClr val="dk1"/>
+          </a:fillRef>
+          <a:effectRef idx="0">
+            <a:schemeClr val="dk1"/>
+          </a:effectRef>
+          <a:fontRef idx="minor">
+            <a:schemeClr val="tx1"/>
+          </a:fontRef>
+        </p:style>
+      </p:cxnSp>
+      <p:cxnSp>
+        <p:nvCxnSpPr>
+          <p:cNvPr id="16" name="Straight Arrow Connector 15"/>
+          <p:cNvCxnSpPr>
+            <a:stCxn id="2" idx="0"/>
+            <a:endCxn id="38" idx="2"/>
+          </p:cNvCxnSpPr>
+          <p:nvPr/>
+        </p:nvCxnSpPr>
+        <p:spPr>
+          <a:xfrm flipV="1">
+            <a:off x="8688814" y="2218185"/>
+            <a:ext cx="0" cy="1522679"/>
+          </a:xfrm>
+          <a:prstGeom prst="straightConnector1">
+            <a:avLst/>
+          </a:prstGeom>
+          <a:ln w="12700">
+            <a:tailEnd type="triangle"/>
+          </a:ln>
+        </p:spPr>
+        <p:style>
+          <a:lnRef idx="1">
+            <a:schemeClr val="dk1"/>
+          </a:lnRef>
+          <a:fillRef idx="0">
+            <a:schemeClr val="dk1"/>
+          </a:fillRef>
+          <a:effectRef idx="0">
+            <a:schemeClr val="dk1"/>
+          </a:effectRef>
+          <a:fontRef idx="minor">
+            <a:schemeClr val="tx1"/>
+          </a:fontRef>
+        </p:style>
+      </p:cxnSp>
+      <p:cxnSp>
+        <p:nvCxnSpPr>
+          <p:cNvPr id="19" name="Straight Arrow Connector 18"/>
+          <p:cNvCxnSpPr>
+            <a:stCxn id="2" idx="0"/>
+            <a:endCxn id="13" idx="2"/>
+          </p:cNvCxnSpPr>
+          <p:nvPr/>
+        </p:nvCxnSpPr>
+        <p:spPr>
+          <a:xfrm flipV="1">
+            <a:off x="8688814" y="2916218"/>
+            <a:ext cx="2191778" cy="824646"/>
+          </a:xfrm>
+          <a:prstGeom prst="straightConnector1">
+            <a:avLst/>
+          </a:prstGeom>
+          <a:ln w="12700">
+            <a:tailEnd type="triangle"/>
+          </a:ln>
+        </p:spPr>
+        <p:style>
+          <a:lnRef idx="1">
+            <a:schemeClr val="dk1"/>
+          </a:lnRef>
+          <a:fillRef idx="0">
+            <a:schemeClr val="dk1"/>
+          </a:fillRef>
+          <a:effectRef idx="0">
+            <a:schemeClr val="dk1"/>
+          </a:effectRef>
+          <a:fontRef idx="minor">
+            <a:schemeClr val="tx1"/>
+          </a:fontRef>
+        </p:style>
+      </p:cxnSp>
+      <p:cxnSp>
+        <p:nvCxnSpPr>
+          <p:cNvPr id="22" name="Straight Arrow Connector 21"/>
+          <p:cNvCxnSpPr>
+            <a:stCxn id="23" idx="0"/>
+            <a:endCxn id="5" idx="2"/>
+          </p:cNvCxnSpPr>
+          <p:nvPr/>
+        </p:nvCxnSpPr>
+        <p:spPr>
+          <a:xfrm flipV="1">
+            <a:off x="1039974" y="1998805"/>
+            <a:ext cx="0" cy="255186"/>
+          </a:xfrm>
+          <a:prstGeom prst="straightConnector1">
+            <a:avLst/>
+          </a:prstGeom>
+          <a:ln w="12700">
+            <a:tailEnd type="triangle"/>
+          </a:ln>
+        </p:spPr>
+        <p:style>
+          <a:lnRef idx="1">
+            <a:schemeClr val="dk1"/>
+          </a:lnRef>
+          <a:fillRef idx="0">
+            <a:schemeClr val="dk1"/>
+          </a:fillRef>
+          <a:effectRef idx="0">
+            <a:schemeClr val="dk1"/>
+          </a:effectRef>
+          <a:fontRef idx="minor">
+            <a:schemeClr val="tx1"/>
+          </a:fontRef>
+        </p:style>
+      </p:cxnSp>
+      <p:cxnSp>
+        <p:nvCxnSpPr>
+          <p:cNvPr id="25" name="Straight Arrow Connector 24"/>
+          <p:cNvCxnSpPr>
+            <a:stCxn id="51" idx="0"/>
+            <a:endCxn id="36" idx="2"/>
+          </p:cNvCxnSpPr>
+          <p:nvPr/>
+        </p:nvCxnSpPr>
+        <p:spPr>
+          <a:xfrm flipV="1">
+            <a:off x="3157255" y="1909972"/>
+            <a:ext cx="0" cy="576265"/>
+          </a:xfrm>
+          <a:prstGeom prst="straightConnector1">
+            <a:avLst/>
+          </a:prstGeom>
+          <a:ln w="12700">
+            <a:tailEnd type="triangle"/>
+          </a:ln>
+        </p:spPr>
+        <p:style>
+          <a:lnRef idx="1">
+            <a:schemeClr val="dk1"/>
+          </a:lnRef>
+          <a:fillRef idx="0">
+            <a:schemeClr val="dk1"/>
+          </a:fillRef>
+          <a:effectRef idx="0">
+            <a:schemeClr val="dk1"/>
+          </a:effectRef>
+          <a:fontRef idx="minor">
+            <a:schemeClr val="tx1"/>
+          </a:fontRef>
+        </p:style>
+      </p:cxnSp>
+      <p:cxnSp>
+        <p:nvCxnSpPr>
+          <p:cNvPr id="28" name="Straight Arrow Connector 27"/>
+          <p:cNvCxnSpPr>
+            <a:stCxn id="24" idx="3"/>
+            <a:endCxn id="6" idx="1"/>
+          </p:cNvCxnSpPr>
+          <p:nvPr/>
+        </p:nvCxnSpPr>
+        <p:spPr>
+          <a:xfrm flipV="1">
+            <a:off x="2183565" y="5501661"/>
+            <a:ext cx="505901" cy="1"/>
+          </a:xfrm>
+          <a:prstGeom prst="straightConnector1">
+            <a:avLst/>
+          </a:prstGeom>
+          <a:ln w="12700">
+            <a:tailEnd type="triangle"/>
+          </a:ln>
+        </p:spPr>
+        <p:style>
+          <a:lnRef idx="1">
+            <a:schemeClr val="dk1"/>
+          </a:lnRef>
+          <a:fillRef idx="0">
+            <a:schemeClr val="dk1"/>
+          </a:fillRef>
+          <a:effectRef idx="0">
+            <a:schemeClr val="dk1"/>
+          </a:effectRef>
+          <a:fontRef idx="minor">
+            <a:schemeClr val="tx1"/>
+          </a:fontRef>
+        </p:style>
+      </p:cxnSp>
+      <p:sp>
+        <p:nvSpPr>
+          <p:cNvPr id="35" name="Right Arrow 34"/>
+          <p:cNvSpPr/>
+          <p:nvPr/>
+        </p:nvSpPr>
+        <p:spPr>
+          <a:xfrm>
+            <a:off x="4202052" y="3706463"/>
+            <a:ext cx="2917704" cy="781028"/>
+          </a:xfrm>
+          <a:prstGeom prst="rightArrow">
+            <a:avLst/>
+          </a:prstGeom>
+        </p:spPr>
+        <p:style>
+          <a:lnRef idx="2">
+            <a:schemeClr val="dk1"/>
+          </a:lnRef>
+          <a:fillRef idx="1">
+            <a:schemeClr val="lt1"/>
+          </a:fillRef>
+          <a:effectRef idx="0">
+            <a:schemeClr val="dk1"/>
+          </a:effectRef>
+          <a:fontRef idx="minor">
+            <a:schemeClr val="dk1"/>
+          </a:fontRef>
+        </p:style>
+        <p:txBody>
+          <a:bodyPr rtlCol="0" anchor="ctr"/>
+          <a:lstStyle/>
+          <a:p>
+            <a:pPr algn="ctr"/>
+            <a:r>
+              <a:rPr lang="de-CH" dirty="0" smtClean="0"/>
+              <a:t>Aggregation</a:t>
+            </a:r>
+            <a:endParaRPr lang="de-CH" dirty="0"/>
+          </a:p>
+        </p:txBody>
+      </p:sp>
+      <p:pic>
+        <p:nvPicPr>
+          <p:cNvPr id="2" name="Picture 1"/>
+          <p:cNvPicPr>
+            <a:picLocks noChangeAspect="1"/>
+          </p:cNvPicPr>
+          <p:nvPr/>
+        </p:nvPicPr>
+        <p:blipFill>
+          <a:blip r:embed="rId4"/>
+          <a:stretch>
+            <a:fillRect/>
+          </a:stretch>
+        </p:blipFill>
+        <p:spPr>
+          <a:xfrm>
+            <a:off x="7342021" y="3740864"/>
+            <a:ext cx="2693586" cy="2812172"/>
+          </a:xfrm>
+          <a:prstGeom prst="rect">
+            <a:avLst/>
+          </a:prstGeom>
+          <a:ln w="3175">
+            <a:solidFill>
+              <a:schemeClr val="tx1"/>
+            </a:solidFill>
+          </a:ln>
+        </p:spPr>
+      </p:pic>
+      <p:pic>
+        <p:nvPicPr>
+          <p:cNvPr id="23" name="Picture 22"/>
+          <p:cNvPicPr>
+            <a:picLocks noChangeAspect="1"/>
+          </p:cNvPicPr>
+          <p:nvPr/>
+        </p:nvPicPr>
+        <p:blipFill>
+          <a:blip r:embed="rId4"/>
+          <a:stretch>
+            <a:fillRect/>
+          </a:stretch>
+        </p:blipFill>
+        <p:spPr>
+          <a:xfrm>
+            <a:off x="142112" y="2253991"/>
+            <a:ext cx="1795724" cy="1874781"/>
+          </a:xfrm>
+          <a:prstGeom prst="rect">
+            <a:avLst/>
+          </a:prstGeom>
+          <a:ln w="3175">
+            <a:solidFill>
+              <a:schemeClr val="tx1"/>
+            </a:solidFill>
+          </a:ln>
+        </p:spPr>
+      </p:pic>
+      <p:pic>
+        <p:nvPicPr>
+          <p:cNvPr id="24" name="Picture 23"/>
+          <p:cNvPicPr>
+            <a:picLocks noChangeAspect="1"/>
+          </p:cNvPicPr>
+          <p:nvPr/>
+        </p:nvPicPr>
+        <p:blipFill>
+          <a:blip r:embed="rId4"/>
+          <a:stretch>
+            <a:fillRect/>
+          </a:stretch>
+        </p:blipFill>
+        <p:spPr>
+          <a:xfrm>
+            <a:off x="387841" y="4564271"/>
+            <a:ext cx="1795724" cy="1874781"/>
+          </a:xfrm>
+          <a:prstGeom prst="rect">
+            <a:avLst/>
+          </a:prstGeom>
+          <a:ln w="3175">
+            <a:solidFill>
+              <a:schemeClr val="tx1"/>
+            </a:solidFill>
+          </a:ln>
+        </p:spPr>
+      </p:pic>
+      <p:pic>
+        <p:nvPicPr>
+          <p:cNvPr id="36" name="Picture 35"/>
+          <p:cNvPicPr>
+            <a:picLocks noChangeAspect="1"/>
+          </p:cNvPicPr>
+          <p:nvPr/>
+        </p:nvPicPr>
+        <p:blipFill>
+          <a:blip r:embed="rId5"/>
+          <a:stretch>
+            <a:fillRect/>
+          </a:stretch>
+        </p:blipFill>
+        <p:spPr>
+          <a:xfrm>
+            <a:off x="1787369" y="197138"/>
+            <a:ext cx="2739772" cy="1712834"/>
+          </a:xfrm>
+          <a:prstGeom prst="rect">
+            <a:avLst/>
+          </a:prstGeom>
+          <a:solidFill>
+            <a:schemeClr val="bg1"/>
+          </a:solidFill>
+          <a:ln w="6350">
+            <a:solidFill>
+              <a:schemeClr val="tx1"/>
+            </a:solidFill>
+          </a:ln>
+        </p:spPr>
+      </p:pic>
+      <p:pic>
+        <p:nvPicPr>
+          <p:cNvPr id="38" name="Picture 37"/>
+          <p:cNvPicPr>
+            <a:picLocks noChangeAspect="1"/>
+          </p:cNvPicPr>
+          <p:nvPr/>
+        </p:nvPicPr>
+        <p:blipFill>
+          <a:blip r:embed="rId5"/>
+          <a:stretch>
+            <a:fillRect/>
+          </a:stretch>
+        </p:blipFill>
+        <p:spPr>
+          <a:xfrm>
+            <a:off x="7318928" y="505351"/>
+            <a:ext cx="2739772" cy="1712834"/>
+          </a:xfrm>
+          <a:prstGeom prst="rect">
+            <a:avLst/>
+          </a:prstGeom>
+          <a:solidFill>
+            <a:schemeClr val="bg1"/>
+          </a:solidFill>
+          <a:ln w="6350">
+            <a:solidFill>
+              <a:schemeClr val="tx1"/>
+            </a:solidFill>
+          </a:ln>
+        </p:spPr>
+      </p:pic>
+      <p:pic>
+        <p:nvPicPr>
+          <p:cNvPr id="51" name="Picture 50"/>
+          <p:cNvPicPr>
+            <a:picLocks noChangeAspect="1"/>
+          </p:cNvPicPr>
+          <p:nvPr/>
+        </p:nvPicPr>
+        <p:blipFill>
+          <a:blip r:embed="rId4"/>
+          <a:stretch>
+            <a:fillRect/>
+          </a:stretch>
+        </p:blipFill>
+        <p:spPr>
+          <a:xfrm>
+            <a:off x="2259393" y="2486237"/>
+            <a:ext cx="1795724" cy="1874781"/>
+          </a:xfrm>
+          <a:prstGeom prst="rect">
+            <a:avLst/>
+          </a:prstGeom>
+          <a:ln w="3175">
+            <a:solidFill>
+              <a:schemeClr val="tx1"/>
+            </a:solidFill>
+          </a:ln>
+        </p:spPr>
+      </p:pic>
+    </p:spTree>
+    <p:extLst>
+      <p:ext uri="{BB962C8B-B14F-4D97-AF65-F5344CB8AC3E}">
+        <p14:creationId xmlns:p14="http://schemas.microsoft.com/office/powerpoint/2010/main" val="2476548408"/>
+      </p:ext>
+    </p:extLst>
+  </p:cSld>
+  <p:clrMapOvr>
+    <a:masterClrMapping/>
+  </p:clrMapOvr>
+</p:sld>
+</file>
+
 <file path=ppt/theme/theme1.xml><?xml version="1.0" encoding="utf-8"?>
 <a:theme xmlns:a="http://schemas.openxmlformats.org/drawingml/2006/main" name="Office Theme">
   <a:themeElements>

--- a/Report/images/Presentation2.pptx
+++ b/Report/images/Presentation2.pptx
@@ -2,13 +2,15 @@
 <file path=ppt/presentation.xml><?xml version="1.0" encoding="utf-8"?>
 <p:presentation xmlns:a="http://schemas.openxmlformats.org/drawingml/2006/main" xmlns:r="http://schemas.openxmlformats.org/officeDocument/2006/relationships" xmlns:p="http://schemas.openxmlformats.org/presentationml/2006/main" saveSubsetFonts="1">
   <p:sldMasterIdLst>
-    <p:sldMasterId id="2147483648" r:id="rId1"/>
+    <p:sldMasterId id="2147483660" r:id="rId1"/>
   </p:sldMasterIdLst>
   <p:sldIdLst>
     <p:sldId id="256" r:id="rId2"/>
     <p:sldId id="257" r:id="rId3"/>
+    <p:sldId id="259" r:id="rId4"/>
+    <p:sldId id="260" r:id="rId5"/>
   </p:sldIdLst>
-  <p:sldSz cx="12192000" cy="6858000"/>
+  <p:sldSz cx="12192000" cy="9018588"/>
   <p:notesSz cx="6858000" cy="9144000"/>
   <p:defaultTextStyle>
     <a:defPPr>
@@ -142,15 +144,15 @@
         </p:nvSpPr>
         <p:spPr>
           <a:xfrm>
-            <a:off x="1524000" y="1122363"/>
-            <a:ext cx="9144000" cy="2387600"/>
+            <a:off x="914400" y="1475959"/>
+            <a:ext cx="10363200" cy="3139805"/>
           </a:xfrm>
         </p:spPr>
         <p:txBody>
           <a:bodyPr anchor="b"/>
           <a:lstStyle>
             <a:lvl1pPr algn="ctr">
-              <a:defRPr sz="6000"/>
+              <a:defRPr sz="7890"/>
             </a:lvl1pPr>
           </a:lstStyle>
           <a:p>
@@ -158,7 +160,7 @@
               <a:rPr lang="en-US" smtClean="0"/>
               <a:t>Click to edit Master title style</a:t>
             </a:r>
-            <a:endParaRPr lang="de-CH"/>
+            <a:endParaRPr lang="en-US" dirty="0"/>
           </a:p>
         </p:txBody>
       </p:sp>
@@ -174,8 +176,8 @@
         </p:nvSpPr>
         <p:spPr>
           <a:xfrm>
-            <a:off x="1524000" y="3602038"/>
-            <a:ext cx="9144000" cy="1655762"/>
+            <a:off x="1524000" y="4736847"/>
+            <a:ext cx="9144000" cy="2177404"/>
           </a:xfrm>
         </p:spPr>
         <p:txBody>
@@ -183,39 +185,39 @@
           <a:lstStyle>
             <a:lvl1pPr marL="0" indent="0" algn="ctr">
               <a:buNone/>
-              <a:defRPr sz="2400"/>
+              <a:defRPr sz="3156"/>
             </a:lvl1pPr>
-            <a:lvl2pPr marL="457200" indent="0" algn="ctr">
-              <a:buNone/>
-              <a:defRPr sz="2000"/>
+            <a:lvl2pPr marL="601218" indent="0" algn="ctr">
+              <a:buNone/>
+              <a:defRPr sz="2630"/>
             </a:lvl2pPr>
-            <a:lvl3pPr marL="914400" indent="0" algn="ctr">
-              <a:buNone/>
-              <a:defRPr sz="1800"/>
+            <a:lvl3pPr marL="1202436" indent="0" algn="ctr">
+              <a:buNone/>
+              <a:defRPr sz="2367"/>
             </a:lvl3pPr>
-            <a:lvl4pPr marL="1371600" indent="0" algn="ctr">
-              <a:buNone/>
-              <a:defRPr sz="1600"/>
+            <a:lvl4pPr marL="1803654" indent="0" algn="ctr">
+              <a:buNone/>
+              <a:defRPr sz="2104"/>
             </a:lvl4pPr>
-            <a:lvl5pPr marL="1828800" indent="0" algn="ctr">
-              <a:buNone/>
-              <a:defRPr sz="1600"/>
+            <a:lvl5pPr marL="2404872" indent="0" algn="ctr">
+              <a:buNone/>
+              <a:defRPr sz="2104"/>
             </a:lvl5pPr>
-            <a:lvl6pPr marL="2286000" indent="0" algn="ctr">
-              <a:buNone/>
-              <a:defRPr sz="1600"/>
+            <a:lvl6pPr marL="3006090" indent="0" algn="ctr">
+              <a:buNone/>
+              <a:defRPr sz="2104"/>
             </a:lvl6pPr>
-            <a:lvl7pPr marL="2743200" indent="0" algn="ctr">
-              <a:buNone/>
-              <a:defRPr sz="1600"/>
+            <a:lvl7pPr marL="3607308" indent="0" algn="ctr">
+              <a:buNone/>
+              <a:defRPr sz="2104"/>
             </a:lvl7pPr>
-            <a:lvl8pPr marL="3200400" indent="0" algn="ctr">
-              <a:buNone/>
-              <a:defRPr sz="1600"/>
+            <a:lvl8pPr marL="4208526" indent="0" algn="ctr">
+              <a:buNone/>
+              <a:defRPr sz="2104"/>
             </a:lvl8pPr>
-            <a:lvl9pPr marL="3657600" indent="0" algn="ctr">
-              <a:buNone/>
-              <a:defRPr sz="1600"/>
+            <a:lvl9pPr marL="4809744" indent="0" algn="ctr">
+              <a:buNone/>
+              <a:defRPr sz="2104"/>
             </a:lvl9pPr>
           </a:lstStyle>
           <a:p>
@@ -223,7 +225,7 @@
               <a:rPr lang="en-US" smtClean="0"/>
               <a:t>Click to edit Master subtitle style</a:t>
             </a:r>
-            <a:endParaRPr lang="de-CH"/>
+            <a:endParaRPr lang="en-US" dirty="0"/>
           </a:p>
         </p:txBody>
       </p:sp>
@@ -244,7 +246,7 @@
           <a:p>
             <a:fld id="{32712650-51F8-49D6-905B-06060FDC57AC}" type="datetimeFigureOut">
               <a:rPr lang="de-CH" smtClean="0"/>
-              <a:t>07.10.2015</a:t>
+              <a:t>09.10.2015</a:t>
             </a:fld>
             <a:endParaRPr lang="de-CH"/>
           </a:p>
@@ -295,7 +297,7 @@
     </p:spTree>
     <p:extLst>
       <p:ext uri="{BB962C8B-B14F-4D97-AF65-F5344CB8AC3E}">
-        <p14:creationId xmlns:p14="http://schemas.microsoft.com/office/powerpoint/2010/main" val="1035230776"/>
+        <p14:creationId xmlns:p14="http://schemas.microsoft.com/office/powerpoint/2010/main" val="3928777132"/>
       </p:ext>
     </p:extLst>
   </p:cSld>
@@ -341,7 +343,7 @@
               <a:rPr lang="en-US" smtClean="0"/>
               <a:t>Click to edit Master title style</a:t>
             </a:r>
-            <a:endParaRPr lang="de-CH"/>
+            <a:endParaRPr lang="en-US" dirty="0"/>
           </a:p>
         </p:txBody>
       </p:sp>
@@ -393,7 +395,7 @@
               <a:rPr lang="en-US" smtClean="0"/>
               <a:t>Fifth level</a:t>
             </a:r>
-            <a:endParaRPr lang="de-CH"/>
+            <a:endParaRPr lang="en-US" dirty="0"/>
           </a:p>
         </p:txBody>
       </p:sp>
@@ -414,7 +416,7 @@
           <a:p>
             <a:fld id="{32712650-51F8-49D6-905B-06060FDC57AC}" type="datetimeFigureOut">
               <a:rPr lang="de-CH" smtClean="0"/>
-              <a:t>07.10.2015</a:t>
+              <a:t>09.10.2015</a:t>
             </a:fld>
             <a:endParaRPr lang="de-CH"/>
           </a:p>
@@ -465,7 +467,7 @@
     </p:spTree>
     <p:extLst>
       <p:ext uri="{BB962C8B-B14F-4D97-AF65-F5344CB8AC3E}">
-        <p14:creationId xmlns:p14="http://schemas.microsoft.com/office/powerpoint/2010/main" val="2673886463"/>
+        <p14:creationId xmlns:p14="http://schemas.microsoft.com/office/powerpoint/2010/main" val="3550576827"/>
       </p:ext>
     </p:extLst>
   </p:cSld>
@@ -504,8 +506,8 @@
         </p:nvSpPr>
         <p:spPr>
           <a:xfrm>
-            <a:off x="8724900" y="365125"/>
-            <a:ext cx="2628900" cy="5811838"/>
+            <a:off x="8724901" y="480157"/>
+            <a:ext cx="2628900" cy="7642836"/>
           </a:xfrm>
         </p:spPr>
         <p:txBody>
@@ -516,7 +518,7 @@
               <a:rPr lang="en-US" smtClean="0"/>
               <a:t>Click to edit Master title style</a:t>
             </a:r>
-            <a:endParaRPr lang="de-CH"/>
+            <a:endParaRPr lang="en-US" dirty="0"/>
           </a:p>
         </p:txBody>
       </p:sp>
@@ -532,8 +534,8 @@
         </p:nvSpPr>
         <p:spPr>
           <a:xfrm>
-            <a:off x="838200" y="365125"/>
-            <a:ext cx="7734300" cy="5811838"/>
+            <a:off x="838201" y="480157"/>
+            <a:ext cx="7734300" cy="7642836"/>
           </a:xfrm>
         </p:spPr>
         <p:txBody>
@@ -573,7 +575,7 @@
               <a:rPr lang="en-US" smtClean="0"/>
               <a:t>Fifth level</a:t>
             </a:r>
-            <a:endParaRPr lang="de-CH"/>
+            <a:endParaRPr lang="en-US" dirty="0"/>
           </a:p>
         </p:txBody>
       </p:sp>
@@ -594,7 +596,7 @@
           <a:p>
             <a:fld id="{32712650-51F8-49D6-905B-06060FDC57AC}" type="datetimeFigureOut">
               <a:rPr lang="de-CH" smtClean="0"/>
-              <a:t>07.10.2015</a:t>
+              <a:t>09.10.2015</a:t>
             </a:fld>
             <a:endParaRPr lang="de-CH"/>
           </a:p>
@@ -645,7 +647,7 @@
     </p:spTree>
     <p:extLst>
       <p:ext uri="{BB962C8B-B14F-4D97-AF65-F5344CB8AC3E}">
-        <p14:creationId xmlns:p14="http://schemas.microsoft.com/office/powerpoint/2010/main" val="3025401856"/>
+        <p14:creationId xmlns:p14="http://schemas.microsoft.com/office/powerpoint/2010/main" val="1294878816"/>
       </p:ext>
     </p:extLst>
   </p:cSld>
@@ -691,7 +693,7 @@
               <a:rPr lang="en-US" smtClean="0"/>
               <a:t>Click to edit Master title style</a:t>
             </a:r>
-            <a:endParaRPr lang="de-CH"/>
+            <a:endParaRPr lang="en-US" dirty="0"/>
           </a:p>
         </p:txBody>
       </p:sp>
@@ -743,7 +745,7 @@
               <a:rPr lang="en-US" smtClean="0"/>
               <a:t>Fifth level</a:t>
             </a:r>
-            <a:endParaRPr lang="de-CH"/>
+            <a:endParaRPr lang="en-US" dirty="0"/>
           </a:p>
         </p:txBody>
       </p:sp>
@@ -764,7 +766,7 @@
           <a:p>
             <a:fld id="{32712650-51F8-49D6-905B-06060FDC57AC}" type="datetimeFigureOut">
               <a:rPr lang="de-CH" smtClean="0"/>
-              <a:t>07.10.2015</a:t>
+              <a:t>09.10.2015</a:t>
             </a:fld>
             <a:endParaRPr lang="de-CH"/>
           </a:p>
@@ -815,7 +817,7 @@
     </p:spTree>
     <p:extLst>
       <p:ext uri="{BB962C8B-B14F-4D97-AF65-F5344CB8AC3E}">
-        <p14:creationId xmlns:p14="http://schemas.microsoft.com/office/powerpoint/2010/main" val="3940988810"/>
+        <p14:creationId xmlns:p14="http://schemas.microsoft.com/office/powerpoint/2010/main" val="4249536422"/>
       </p:ext>
     </p:extLst>
   </p:cSld>
@@ -854,15 +856,15 @@
         </p:nvSpPr>
         <p:spPr>
           <a:xfrm>
-            <a:off x="831850" y="1709738"/>
-            <a:ext cx="10515600" cy="2852737"/>
+            <a:off x="831851" y="2248387"/>
+            <a:ext cx="10515600" cy="3751481"/>
           </a:xfrm>
         </p:spPr>
         <p:txBody>
           <a:bodyPr anchor="b"/>
           <a:lstStyle>
             <a:lvl1pPr>
-              <a:defRPr sz="6000"/>
+              <a:defRPr sz="7890"/>
             </a:lvl1pPr>
           </a:lstStyle>
           <a:p>
@@ -870,7 +872,7 @@
               <a:rPr lang="en-US" smtClean="0"/>
               <a:t>Click to edit Master title style</a:t>
             </a:r>
-            <a:endParaRPr lang="de-CH"/>
+            <a:endParaRPr lang="en-US" dirty="0"/>
           </a:p>
         </p:txBody>
       </p:sp>
@@ -886,8 +888,8 @@
         </p:nvSpPr>
         <p:spPr>
           <a:xfrm>
-            <a:off x="831850" y="4589463"/>
-            <a:ext cx="10515600" cy="1500187"/>
+            <a:off x="831851" y="6035359"/>
+            <a:ext cx="10515600" cy="1972815"/>
           </a:xfrm>
         </p:spPr>
         <p:txBody>
@@ -895,17 +897,15 @@
           <a:lstStyle>
             <a:lvl1pPr marL="0" indent="0">
               <a:buNone/>
-              <a:defRPr sz="2400">
+              <a:defRPr sz="3156">
                 <a:solidFill>
-                  <a:schemeClr val="tx1">
-                    <a:tint val="75000"/>
-                  </a:schemeClr>
+                  <a:schemeClr val="tx1"/>
                 </a:solidFill>
               </a:defRPr>
             </a:lvl1pPr>
-            <a:lvl2pPr marL="457200" indent="0">
-              <a:buNone/>
-              <a:defRPr sz="2000">
+            <a:lvl2pPr marL="601218" indent="0">
+              <a:buNone/>
+              <a:defRPr sz="2630">
                 <a:solidFill>
                   <a:schemeClr val="tx1">
                     <a:tint val="75000"/>
@@ -913,9 +913,9 @@
                 </a:solidFill>
               </a:defRPr>
             </a:lvl2pPr>
-            <a:lvl3pPr marL="914400" indent="0">
-              <a:buNone/>
-              <a:defRPr sz="1800">
+            <a:lvl3pPr marL="1202436" indent="0">
+              <a:buNone/>
+              <a:defRPr sz="2367">
                 <a:solidFill>
                   <a:schemeClr val="tx1">
                     <a:tint val="75000"/>
@@ -923,9 +923,9 @@
                 </a:solidFill>
               </a:defRPr>
             </a:lvl3pPr>
-            <a:lvl4pPr marL="1371600" indent="0">
-              <a:buNone/>
-              <a:defRPr sz="1600">
+            <a:lvl4pPr marL="1803654" indent="0">
+              <a:buNone/>
+              <a:defRPr sz="2104">
                 <a:solidFill>
                   <a:schemeClr val="tx1">
                     <a:tint val="75000"/>
@@ -933,9 +933,9 @@
                 </a:solidFill>
               </a:defRPr>
             </a:lvl4pPr>
-            <a:lvl5pPr marL="1828800" indent="0">
-              <a:buNone/>
-              <a:defRPr sz="1600">
+            <a:lvl5pPr marL="2404872" indent="0">
+              <a:buNone/>
+              <a:defRPr sz="2104">
                 <a:solidFill>
                   <a:schemeClr val="tx1">
                     <a:tint val="75000"/>
@@ -943,9 +943,9 @@
                 </a:solidFill>
               </a:defRPr>
             </a:lvl5pPr>
-            <a:lvl6pPr marL="2286000" indent="0">
-              <a:buNone/>
-              <a:defRPr sz="1600">
+            <a:lvl6pPr marL="3006090" indent="0">
+              <a:buNone/>
+              <a:defRPr sz="2104">
                 <a:solidFill>
                   <a:schemeClr val="tx1">
                     <a:tint val="75000"/>
@@ -953,9 +953,9 @@
                 </a:solidFill>
               </a:defRPr>
             </a:lvl6pPr>
-            <a:lvl7pPr marL="2743200" indent="0">
-              <a:buNone/>
-              <a:defRPr sz="1600">
+            <a:lvl7pPr marL="3607308" indent="0">
+              <a:buNone/>
+              <a:defRPr sz="2104">
                 <a:solidFill>
                   <a:schemeClr val="tx1">
                     <a:tint val="75000"/>
@@ -963,9 +963,9 @@
                 </a:solidFill>
               </a:defRPr>
             </a:lvl7pPr>
-            <a:lvl8pPr marL="3200400" indent="0">
-              <a:buNone/>
-              <a:defRPr sz="1600">
+            <a:lvl8pPr marL="4208526" indent="0">
+              <a:buNone/>
+              <a:defRPr sz="2104">
                 <a:solidFill>
                   <a:schemeClr val="tx1">
                     <a:tint val="75000"/>
@@ -973,9 +973,9 @@
                 </a:solidFill>
               </a:defRPr>
             </a:lvl8pPr>
-            <a:lvl9pPr marL="3657600" indent="0">
-              <a:buNone/>
-              <a:defRPr sz="1600">
+            <a:lvl9pPr marL="4809744" indent="0">
+              <a:buNone/>
+              <a:defRPr sz="2104">
                 <a:solidFill>
                   <a:schemeClr val="tx1">
                     <a:tint val="75000"/>
@@ -1010,7 +1010,7 @@
           <a:p>
             <a:fld id="{32712650-51F8-49D6-905B-06060FDC57AC}" type="datetimeFigureOut">
               <a:rPr lang="de-CH" smtClean="0"/>
-              <a:t>07.10.2015</a:t>
+              <a:t>09.10.2015</a:t>
             </a:fld>
             <a:endParaRPr lang="de-CH"/>
           </a:p>
@@ -1061,7 +1061,7 @@
     </p:spTree>
     <p:extLst>
       <p:ext uri="{BB962C8B-B14F-4D97-AF65-F5344CB8AC3E}">
-        <p14:creationId xmlns:p14="http://schemas.microsoft.com/office/powerpoint/2010/main" val="509509656"/>
+        <p14:creationId xmlns:p14="http://schemas.microsoft.com/office/powerpoint/2010/main" val="1388723997"/>
       </p:ext>
     </p:extLst>
   </p:cSld>
@@ -1107,7 +1107,7 @@
               <a:rPr lang="en-US" smtClean="0"/>
               <a:t>Click to edit Master title style</a:t>
             </a:r>
-            <a:endParaRPr lang="de-CH"/>
+            <a:endParaRPr lang="en-US" dirty="0"/>
           </a:p>
         </p:txBody>
       </p:sp>
@@ -1123,8 +1123,8 @@
         </p:nvSpPr>
         <p:spPr>
           <a:xfrm>
-            <a:off x="838200" y="1825625"/>
-            <a:ext cx="5181600" cy="4351338"/>
+            <a:off x="838200" y="2400782"/>
+            <a:ext cx="5181600" cy="5722211"/>
           </a:xfrm>
         </p:spPr>
         <p:txBody>
@@ -1164,7 +1164,7 @@
               <a:rPr lang="en-US" smtClean="0"/>
               <a:t>Fifth level</a:t>
             </a:r>
-            <a:endParaRPr lang="de-CH"/>
+            <a:endParaRPr lang="en-US" dirty="0"/>
           </a:p>
         </p:txBody>
       </p:sp>
@@ -1180,8 +1180,8 @@
         </p:nvSpPr>
         <p:spPr>
           <a:xfrm>
-            <a:off x="6172200" y="1825625"/>
-            <a:ext cx="5181600" cy="4351338"/>
+            <a:off x="6172200" y="2400782"/>
+            <a:ext cx="5181600" cy="5722211"/>
           </a:xfrm>
         </p:spPr>
         <p:txBody>
@@ -1221,7 +1221,7 @@
               <a:rPr lang="en-US" smtClean="0"/>
               <a:t>Fifth level</a:t>
             </a:r>
-            <a:endParaRPr lang="de-CH"/>
+            <a:endParaRPr lang="en-US" dirty="0"/>
           </a:p>
         </p:txBody>
       </p:sp>
@@ -1242,7 +1242,7 @@
           <a:p>
             <a:fld id="{32712650-51F8-49D6-905B-06060FDC57AC}" type="datetimeFigureOut">
               <a:rPr lang="de-CH" smtClean="0"/>
-              <a:t>07.10.2015</a:t>
+              <a:t>09.10.2015</a:t>
             </a:fld>
             <a:endParaRPr lang="de-CH"/>
           </a:p>
@@ -1293,7 +1293,7 @@
     </p:spTree>
     <p:extLst>
       <p:ext uri="{BB962C8B-B14F-4D97-AF65-F5344CB8AC3E}">
-        <p14:creationId xmlns:p14="http://schemas.microsoft.com/office/powerpoint/2010/main" val="1120228944"/>
+        <p14:creationId xmlns:p14="http://schemas.microsoft.com/office/powerpoint/2010/main" val="2538229040"/>
       </p:ext>
     </p:extLst>
   </p:cSld>
@@ -1332,8 +1332,8 @@
         </p:nvSpPr>
         <p:spPr>
           <a:xfrm>
-            <a:off x="839788" y="365125"/>
-            <a:ext cx="10515600" cy="1325563"/>
+            <a:off x="839788" y="480158"/>
+            <a:ext cx="10515600" cy="1743177"/>
           </a:xfrm>
         </p:spPr>
         <p:txBody>
@@ -1344,7 +1344,7 @@
               <a:rPr lang="en-US" smtClean="0"/>
               <a:t>Click to edit Master title style</a:t>
             </a:r>
-            <a:endParaRPr lang="de-CH"/>
+            <a:endParaRPr lang="en-US" dirty="0"/>
           </a:p>
         </p:txBody>
       </p:sp>
@@ -1360,8 +1360,8 @@
         </p:nvSpPr>
         <p:spPr>
           <a:xfrm>
-            <a:off x="839788" y="1681163"/>
-            <a:ext cx="5157787" cy="823912"/>
+            <a:off x="839789" y="2210808"/>
+            <a:ext cx="5157787" cy="1083482"/>
           </a:xfrm>
         </p:spPr>
         <p:txBody>
@@ -1369,39 +1369,39 @@
           <a:lstStyle>
             <a:lvl1pPr marL="0" indent="0">
               <a:buNone/>
-              <a:defRPr sz="2400" b="1"/>
+              <a:defRPr sz="3156" b="1"/>
             </a:lvl1pPr>
-            <a:lvl2pPr marL="457200" indent="0">
-              <a:buNone/>
-              <a:defRPr sz="2000" b="1"/>
+            <a:lvl2pPr marL="601218" indent="0">
+              <a:buNone/>
+              <a:defRPr sz="2630" b="1"/>
             </a:lvl2pPr>
-            <a:lvl3pPr marL="914400" indent="0">
-              <a:buNone/>
-              <a:defRPr sz="1800" b="1"/>
+            <a:lvl3pPr marL="1202436" indent="0">
+              <a:buNone/>
+              <a:defRPr sz="2367" b="1"/>
             </a:lvl3pPr>
-            <a:lvl4pPr marL="1371600" indent="0">
-              <a:buNone/>
-              <a:defRPr sz="1600" b="1"/>
+            <a:lvl4pPr marL="1803654" indent="0">
+              <a:buNone/>
+              <a:defRPr sz="2104" b="1"/>
             </a:lvl4pPr>
-            <a:lvl5pPr marL="1828800" indent="0">
-              <a:buNone/>
-              <a:defRPr sz="1600" b="1"/>
+            <a:lvl5pPr marL="2404872" indent="0">
+              <a:buNone/>
+              <a:defRPr sz="2104" b="1"/>
             </a:lvl5pPr>
-            <a:lvl6pPr marL="2286000" indent="0">
-              <a:buNone/>
-              <a:defRPr sz="1600" b="1"/>
+            <a:lvl6pPr marL="3006090" indent="0">
+              <a:buNone/>
+              <a:defRPr sz="2104" b="1"/>
             </a:lvl6pPr>
-            <a:lvl7pPr marL="2743200" indent="0">
-              <a:buNone/>
-              <a:defRPr sz="1600" b="1"/>
+            <a:lvl7pPr marL="3607308" indent="0">
+              <a:buNone/>
+              <a:defRPr sz="2104" b="1"/>
             </a:lvl7pPr>
-            <a:lvl8pPr marL="3200400" indent="0">
-              <a:buNone/>
-              <a:defRPr sz="1600" b="1"/>
+            <a:lvl8pPr marL="4208526" indent="0">
+              <a:buNone/>
+              <a:defRPr sz="2104" b="1"/>
             </a:lvl8pPr>
-            <a:lvl9pPr marL="3657600" indent="0">
-              <a:buNone/>
-              <a:defRPr sz="1600" b="1"/>
+            <a:lvl9pPr marL="4809744" indent="0">
+              <a:buNone/>
+              <a:defRPr sz="2104" b="1"/>
             </a:lvl9pPr>
           </a:lstStyle>
           <a:p>
@@ -1425,8 +1425,8 @@
         </p:nvSpPr>
         <p:spPr>
           <a:xfrm>
-            <a:off x="839788" y="2505075"/>
-            <a:ext cx="5157787" cy="3684588"/>
+            <a:off x="839789" y="3294290"/>
+            <a:ext cx="5157787" cy="4845404"/>
           </a:xfrm>
         </p:spPr>
         <p:txBody>
@@ -1466,7 +1466,7 @@
               <a:rPr lang="en-US" smtClean="0"/>
               <a:t>Fifth level</a:t>
             </a:r>
-            <a:endParaRPr lang="de-CH"/>
+            <a:endParaRPr lang="en-US" dirty="0"/>
           </a:p>
         </p:txBody>
       </p:sp>
@@ -1482,8 +1482,8 @@
         </p:nvSpPr>
         <p:spPr>
           <a:xfrm>
-            <a:off x="6172200" y="1681163"/>
-            <a:ext cx="5183188" cy="823912"/>
+            <a:off x="6172201" y="2210808"/>
+            <a:ext cx="5183188" cy="1083482"/>
           </a:xfrm>
         </p:spPr>
         <p:txBody>
@@ -1491,39 +1491,39 @@
           <a:lstStyle>
             <a:lvl1pPr marL="0" indent="0">
               <a:buNone/>
-              <a:defRPr sz="2400" b="1"/>
+              <a:defRPr sz="3156" b="1"/>
             </a:lvl1pPr>
-            <a:lvl2pPr marL="457200" indent="0">
-              <a:buNone/>
-              <a:defRPr sz="2000" b="1"/>
+            <a:lvl2pPr marL="601218" indent="0">
+              <a:buNone/>
+              <a:defRPr sz="2630" b="1"/>
             </a:lvl2pPr>
-            <a:lvl3pPr marL="914400" indent="0">
-              <a:buNone/>
-              <a:defRPr sz="1800" b="1"/>
+            <a:lvl3pPr marL="1202436" indent="0">
+              <a:buNone/>
+              <a:defRPr sz="2367" b="1"/>
             </a:lvl3pPr>
-            <a:lvl4pPr marL="1371600" indent="0">
-              <a:buNone/>
-              <a:defRPr sz="1600" b="1"/>
+            <a:lvl4pPr marL="1803654" indent="0">
+              <a:buNone/>
+              <a:defRPr sz="2104" b="1"/>
             </a:lvl4pPr>
-            <a:lvl5pPr marL="1828800" indent="0">
-              <a:buNone/>
-              <a:defRPr sz="1600" b="1"/>
+            <a:lvl5pPr marL="2404872" indent="0">
+              <a:buNone/>
+              <a:defRPr sz="2104" b="1"/>
             </a:lvl5pPr>
-            <a:lvl6pPr marL="2286000" indent="0">
-              <a:buNone/>
-              <a:defRPr sz="1600" b="1"/>
+            <a:lvl6pPr marL="3006090" indent="0">
+              <a:buNone/>
+              <a:defRPr sz="2104" b="1"/>
             </a:lvl6pPr>
-            <a:lvl7pPr marL="2743200" indent="0">
-              <a:buNone/>
-              <a:defRPr sz="1600" b="1"/>
+            <a:lvl7pPr marL="3607308" indent="0">
+              <a:buNone/>
+              <a:defRPr sz="2104" b="1"/>
             </a:lvl7pPr>
-            <a:lvl8pPr marL="3200400" indent="0">
-              <a:buNone/>
-              <a:defRPr sz="1600" b="1"/>
+            <a:lvl8pPr marL="4208526" indent="0">
+              <a:buNone/>
+              <a:defRPr sz="2104" b="1"/>
             </a:lvl8pPr>
-            <a:lvl9pPr marL="3657600" indent="0">
-              <a:buNone/>
-              <a:defRPr sz="1600" b="1"/>
+            <a:lvl9pPr marL="4809744" indent="0">
+              <a:buNone/>
+              <a:defRPr sz="2104" b="1"/>
             </a:lvl9pPr>
           </a:lstStyle>
           <a:p>
@@ -1547,8 +1547,8 @@
         </p:nvSpPr>
         <p:spPr>
           <a:xfrm>
-            <a:off x="6172200" y="2505075"/>
-            <a:ext cx="5183188" cy="3684588"/>
+            <a:off x="6172201" y="3294290"/>
+            <a:ext cx="5183188" cy="4845404"/>
           </a:xfrm>
         </p:spPr>
         <p:txBody>
@@ -1588,7 +1588,7 @@
               <a:rPr lang="en-US" smtClean="0"/>
               <a:t>Fifth level</a:t>
             </a:r>
-            <a:endParaRPr lang="de-CH"/>
+            <a:endParaRPr lang="en-US" dirty="0"/>
           </a:p>
         </p:txBody>
       </p:sp>
@@ -1609,7 +1609,7 @@
           <a:p>
             <a:fld id="{32712650-51F8-49D6-905B-06060FDC57AC}" type="datetimeFigureOut">
               <a:rPr lang="de-CH" smtClean="0"/>
-              <a:t>07.10.2015</a:t>
+              <a:t>09.10.2015</a:t>
             </a:fld>
             <a:endParaRPr lang="de-CH"/>
           </a:p>
@@ -1660,7 +1660,7 @@
     </p:spTree>
     <p:extLst>
       <p:ext uri="{BB962C8B-B14F-4D97-AF65-F5344CB8AC3E}">
-        <p14:creationId xmlns:p14="http://schemas.microsoft.com/office/powerpoint/2010/main" val="1064432460"/>
+        <p14:creationId xmlns:p14="http://schemas.microsoft.com/office/powerpoint/2010/main" val="474451862"/>
       </p:ext>
     </p:extLst>
   </p:cSld>
@@ -1706,7 +1706,7 @@
               <a:rPr lang="en-US" smtClean="0"/>
               <a:t>Click to edit Master title style</a:t>
             </a:r>
-            <a:endParaRPr lang="de-CH"/>
+            <a:endParaRPr lang="en-US" dirty="0"/>
           </a:p>
         </p:txBody>
       </p:sp>
@@ -1727,7 +1727,7 @@
           <a:p>
             <a:fld id="{32712650-51F8-49D6-905B-06060FDC57AC}" type="datetimeFigureOut">
               <a:rPr lang="de-CH" smtClean="0"/>
-              <a:t>07.10.2015</a:t>
+              <a:t>09.10.2015</a:t>
             </a:fld>
             <a:endParaRPr lang="de-CH"/>
           </a:p>
@@ -1778,7 +1778,7 @@
     </p:spTree>
     <p:extLst>
       <p:ext uri="{BB962C8B-B14F-4D97-AF65-F5344CB8AC3E}">
-        <p14:creationId xmlns:p14="http://schemas.microsoft.com/office/powerpoint/2010/main" val="106146764"/>
+        <p14:creationId xmlns:p14="http://schemas.microsoft.com/office/powerpoint/2010/main" val="65748105"/>
       </p:ext>
     </p:extLst>
   </p:cSld>
@@ -1822,7 +1822,7 @@
           <a:p>
             <a:fld id="{32712650-51F8-49D6-905B-06060FDC57AC}" type="datetimeFigureOut">
               <a:rPr lang="de-CH" smtClean="0"/>
-              <a:t>07.10.2015</a:t>
+              <a:t>09.10.2015</a:t>
             </a:fld>
             <a:endParaRPr lang="de-CH"/>
           </a:p>
@@ -1873,7 +1873,7 @@
     </p:spTree>
     <p:extLst>
       <p:ext uri="{BB962C8B-B14F-4D97-AF65-F5344CB8AC3E}">
-        <p14:creationId xmlns:p14="http://schemas.microsoft.com/office/powerpoint/2010/main" val="1664393956"/>
+        <p14:creationId xmlns:p14="http://schemas.microsoft.com/office/powerpoint/2010/main" val="3967972400"/>
       </p:ext>
     </p:extLst>
   </p:cSld>
@@ -1912,15 +1912,15 @@
         </p:nvSpPr>
         <p:spPr>
           <a:xfrm>
-            <a:off x="839788" y="457200"/>
-            <a:ext cx="3932237" cy="1600200"/>
+            <a:off x="839788" y="601239"/>
+            <a:ext cx="3932237" cy="2104337"/>
           </a:xfrm>
         </p:spPr>
         <p:txBody>
           <a:bodyPr anchor="b"/>
           <a:lstStyle>
             <a:lvl1pPr>
-              <a:defRPr sz="3200"/>
+              <a:defRPr sz="4208"/>
             </a:lvl1pPr>
           </a:lstStyle>
           <a:p>
@@ -1928,7 +1928,7 @@
               <a:rPr lang="en-US" smtClean="0"/>
               <a:t>Click to edit Master title style</a:t>
             </a:r>
-            <a:endParaRPr lang="de-CH"/>
+            <a:endParaRPr lang="en-US" dirty="0"/>
           </a:p>
         </p:txBody>
       </p:sp>
@@ -1944,39 +1944,39 @@
         </p:nvSpPr>
         <p:spPr>
           <a:xfrm>
-            <a:off x="5183188" y="987425"/>
-            <a:ext cx="6172200" cy="4873625"/>
+            <a:off x="5183188" y="1298512"/>
+            <a:ext cx="6172200" cy="6409043"/>
           </a:xfrm>
         </p:spPr>
         <p:txBody>
           <a:bodyPr/>
           <a:lstStyle>
             <a:lvl1pPr>
-              <a:defRPr sz="3200"/>
+              <a:defRPr sz="4208"/>
             </a:lvl1pPr>
             <a:lvl2pPr>
-              <a:defRPr sz="2800"/>
+              <a:defRPr sz="3682"/>
             </a:lvl2pPr>
             <a:lvl3pPr>
-              <a:defRPr sz="2400"/>
+              <a:defRPr sz="3156"/>
             </a:lvl3pPr>
             <a:lvl4pPr>
-              <a:defRPr sz="2000"/>
+              <a:defRPr sz="2630"/>
             </a:lvl4pPr>
             <a:lvl5pPr>
-              <a:defRPr sz="2000"/>
+              <a:defRPr sz="2630"/>
             </a:lvl5pPr>
             <a:lvl6pPr>
-              <a:defRPr sz="2000"/>
+              <a:defRPr sz="2630"/>
             </a:lvl6pPr>
             <a:lvl7pPr>
-              <a:defRPr sz="2000"/>
+              <a:defRPr sz="2630"/>
             </a:lvl7pPr>
             <a:lvl8pPr>
-              <a:defRPr sz="2000"/>
+              <a:defRPr sz="2630"/>
             </a:lvl8pPr>
             <a:lvl9pPr>
-              <a:defRPr sz="2000"/>
+              <a:defRPr sz="2630"/>
             </a:lvl9pPr>
           </a:lstStyle>
           <a:p>
@@ -2013,7 +2013,7 @@
               <a:rPr lang="en-US" smtClean="0"/>
               <a:t>Fifth level</a:t>
             </a:r>
-            <a:endParaRPr lang="de-CH"/>
+            <a:endParaRPr lang="en-US" dirty="0"/>
           </a:p>
         </p:txBody>
       </p:sp>
@@ -2029,8 +2029,8 @@
         </p:nvSpPr>
         <p:spPr>
           <a:xfrm>
-            <a:off x="839788" y="2057400"/>
-            <a:ext cx="3932237" cy="3811588"/>
+            <a:off x="839788" y="2705576"/>
+            <a:ext cx="3932237" cy="5012415"/>
           </a:xfrm>
         </p:spPr>
         <p:txBody>
@@ -2038,39 +2038,39 @@
           <a:lstStyle>
             <a:lvl1pPr marL="0" indent="0">
               <a:buNone/>
-              <a:defRPr sz="1600"/>
+              <a:defRPr sz="2104"/>
             </a:lvl1pPr>
-            <a:lvl2pPr marL="457200" indent="0">
-              <a:buNone/>
-              <a:defRPr sz="1400"/>
+            <a:lvl2pPr marL="601218" indent="0">
+              <a:buNone/>
+              <a:defRPr sz="1841"/>
             </a:lvl2pPr>
-            <a:lvl3pPr marL="914400" indent="0">
-              <a:buNone/>
-              <a:defRPr sz="1200"/>
+            <a:lvl3pPr marL="1202436" indent="0">
+              <a:buNone/>
+              <a:defRPr sz="1578"/>
             </a:lvl3pPr>
-            <a:lvl4pPr marL="1371600" indent="0">
-              <a:buNone/>
-              <a:defRPr sz="1000"/>
+            <a:lvl4pPr marL="1803654" indent="0">
+              <a:buNone/>
+              <a:defRPr sz="1315"/>
             </a:lvl4pPr>
-            <a:lvl5pPr marL="1828800" indent="0">
-              <a:buNone/>
-              <a:defRPr sz="1000"/>
+            <a:lvl5pPr marL="2404872" indent="0">
+              <a:buNone/>
+              <a:defRPr sz="1315"/>
             </a:lvl5pPr>
-            <a:lvl6pPr marL="2286000" indent="0">
-              <a:buNone/>
-              <a:defRPr sz="1000"/>
+            <a:lvl6pPr marL="3006090" indent="0">
+              <a:buNone/>
+              <a:defRPr sz="1315"/>
             </a:lvl6pPr>
-            <a:lvl7pPr marL="2743200" indent="0">
-              <a:buNone/>
-              <a:defRPr sz="1000"/>
+            <a:lvl7pPr marL="3607308" indent="0">
+              <a:buNone/>
+              <a:defRPr sz="1315"/>
             </a:lvl7pPr>
-            <a:lvl8pPr marL="3200400" indent="0">
-              <a:buNone/>
-              <a:defRPr sz="1000"/>
+            <a:lvl8pPr marL="4208526" indent="0">
+              <a:buNone/>
+              <a:defRPr sz="1315"/>
             </a:lvl8pPr>
-            <a:lvl9pPr marL="3657600" indent="0">
-              <a:buNone/>
-              <a:defRPr sz="1000"/>
+            <a:lvl9pPr marL="4809744" indent="0">
+              <a:buNone/>
+              <a:defRPr sz="1315"/>
             </a:lvl9pPr>
           </a:lstStyle>
           <a:p>
@@ -2099,7 +2099,7 @@
           <a:p>
             <a:fld id="{32712650-51F8-49D6-905B-06060FDC57AC}" type="datetimeFigureOut">
               <a:rPr lang="de-CH" smtClean="0"/>
-              <a:t>07.10.2015</a:t>
+              <a:t>09.10.2015</a:t>
             </a:fld>
             <a:endParaRPr lang="de-CH"/>
           </a:p>
@@ -2150,7 +2150,7 @@
     </p:spTree>
     <p:extLst>
       <p:ext uri="{BB962C8B-B14F-4D97-AF65-F5344CB8AC3E}">
-        <p14:creationId xmlns:p14="http://schemas.microsoft.com/office/powerpoint/2010/main" val="3175985106"/>
+        <p14:creationId xmlns:p14="http://schemas.microsoft.com/office/powerpoint/2010/main" val="3839627458"/>
       </p:ext>
     </p:extLst>
   </p:cSld>
@@ -2189,15 +2189,15 @@
         </p:nvSpPr>
         <p:spPr>
           <a:xfrm>
-            <a:off x="839788" y="457200"/>
-            <a:ext cx="3932237" cy="1600200"/>
+            <a:off x="839788" y="601239"/>
+            <a:ext cx="3932237" cy="2104337"/>
           </a:xfrm>
         </p:spPr>
         <p:txBody>
           <a:bodyPr anchor="b"/>
           <a:lstStyle>
             <a:lvl1pPr>
-              <a:defRPr sz="3200"/>
+              <a:defRPr sz="4208"/>
             </a:lvl1pPr>
           </a:lstStyle>
           <a:p>
@@ -2205,7 +2205,7 @@
               <a:rPr lang="en-US" smtClean="0"/>
               <a:t>Click to edit Master title style</a:t>
             </a:r>
-            <a:endParaRPr lang="de-CH"/>
+            <a:endParaRPr lang="en-US" dirty="0"/>
           </a:p>
         </p:txBody>
       </p:sp>
@@ -2213,7 +2213,7 @@
         <p:nvSpPr>
           <p:cNvPr id="3" name="Picture Placeholder 2"/>
           <p:cNvSpPr>
-            <a:spLocks noGrp="1"/>
+            <a:spLocks noGrp="1" noChangeAspect="1"/>
           </p:cNvSpPr>
           <p:nvPr>
             <p:ph type="pic" idx="1"/>
@@ -2221,8 +2221,73 @@
         </p:nvSpPr>
         <p:spPr>
           <a:xfrm>
-            <a:off x="5183188" y="987425"/>
-            <a:ext cx="6172200" cy="4873625"/>
+            <a:off x="5183188" y="1298512"/>
+            <a:ext cx="6172200" cy="6409043"/>
+          </a:xfrm>
+        </p:spPr>
+        <p:txBody>
+          <a:bodyPr anchor="t"/>
+          <a:lstStyle>
+            <a:lvl1pPr marL="0" indent="0">
+              <a:buNone/>
+              <a:defRPr sz="4208"/>
+            </a:lvl1pPr>
+            <a:lvl2pPr marL="601218" indent="0">
+              <a:buNone/>
+              <a:defRPr sz="3682"/>
+            </a:lvl2pPr>
+            <a:lvl3pPr marL="1202436" indent="0">
+              <a:buNone/>
+              <a:defRPr sz="3156"/>
+            </a:lvl3pPr>
+            <a:lvl4pPr marL="1803654" indent="0">
+              <a:buNone/>
+              <a:defRPr sz="2630"/>
+            </a:lvl4pPr>
+            <a:lvl5pPr marL="2404872" indent="0">
+              <a:buNone/>
+              <a:defRPr sz="2630"/>
+            </a:lvl5pPr>
+            <a:lvl6pPr marL="3006090" indent="0">
+              <a:buNone/>
+              <a:defRPr sz="2630"/>
+            </a:lvl6pPr>
+            <a:lvl7pPr marL="3607308" indent="0">
+              <a:buNone/>
+              <a:defRPr sz="2630"/>
+            </a:lvl7pPr>
+            <a:lvl8pPr marL="4208526" indent="0">
+              <a:buNone/>
+              <a:defRPr sz="2630"/>
+            </a:lvl8pPr>
+            <a:lvl9pPr marL="4809744" indent="0">
+              <a:buNone/>
+              <a:defRPr sz="2630"/>
+            </a:lvl9pPr>
+          </a:lstStyle>
+          <a:p>
+            <a:r>
+              <a:rPr lang="en-US" smtClean="0"/>
+              <a:t>Click icon to add picture</a:t>
+            </a:r>
+            <a:endParaRPr lang="en-US" dirty="0"/>
+          </a:p>
+        </p:txBody>
+      </p:sp>
+      <p:sp>
+        <p:nvSpPr>
+          <p:cNvPr id="4" name="Text Placeholder 3"/>
+          <p:cNvSpPr>
+            <a:spLocks noGrp="1"/>
+          </p:cNvSpPr>
+          <p:nvPr>
+            <p:ph type="body" sz="half" idx="2"/>
+          </p:nvPr>
+        </p:nvSpPr>
+        <p:spPr>
+          <a:xfrm>
+            <a:off x="839788" y="2705576"/>
+            <a:ext cx="3932237" cy="5012415"/>
           </a:xfrm>
         </p:spPr>
         <p:txBody>
@@ -2230,103 +2295,42 @@
           <a:lstStyle>
             <a:lvl1pPr marL="0" indent="0">
               <a:buNone/>
-              <a:defRPr sz="3200"/>
+              <a:defRPr sz="2104"/>
             </a:lvl1pPr>
-            <a:lvl2pPr marL="457200" indent="0">
-              <a:buNone/>
-              <a:defRPr sz="2800"/>
+            <a:lvl2pPr marL="601218" indent="0">
+              <a:buNone/>
+              <a:defRPr sz="1841"/>
             </a:lvl2pPr>
-            <a:lvl3pPr marL="914400" indent="0">
-              <a:buNone/>
-              <a:defRPr sz="2400"/>
+            <a:lvl3pPr marL="1202436" indent="0">
+              <a:buNone/>
+              <a:defRPr sz="1578"/>
             </a:lvl3pPr>
-            <a:lvl4pPr marL="1371600" indent="0">
-              <a:buNone/>
-              <a:defRPr sz="2000"/>
+            <a:lvl4pPr marL="1803654" indent="0">
+              <a:buNone/>
+              <a:defRPr sz="1315"/>
             </a:lvl4pPr>
-            <a:lvl5pPr marL="1828800" indent="0">
-              <a:buNone/>
-              <a:defRPr sz="2000"/>
+            <a:lvl5pPr marL="2404872" indent="0">
+              <a:buNone/>
+              <a:defRPr sz="1315"/>
             </a:lvl5pPr>
-            <a:lvl6pPr marL="2286000" indent="0">
-              <a:buNone/>
-              <a:defRPr sz="2000"/>
+            <a:lvl6pPr marL="3006090" indent="0">
+              <a:buNone/>
+              <a:defRPr sz="1315"/>
             </a:lvl6pPr>
-            <a:lvl7pPr marL="2743200" indent="0">
-              <a:buNone/>
-              <a:defRPr sz="2000"/>
+            <a:lvl7pPr marL="3607308" indent="0">
+              <a:buNone/>
+              <a:defRPr sz="1315"/>
             </a:lvl7pPr>
-            <a:lvl8pPr marL="3200400" indent="0">
-              <a:buNone/>
-              <a:defRPr sz="2000"/>
+            <a:lvl8pPr marL="4208526" indent="0">
+              <a:buNone/>
+              <a:defRPr sz="1315"/>
             </a:lvl8pPr>
-            <a:lvl9pPr marL="3657600" indent="0">
-              <a:buNone/>
-              <a:defRPr sz="2000"/>
+            <a:lvl9pPr marL="4809744" indent="0">
+              <a:buNone/>
+              <a:defRPr sz="1315"/>
             </a:lvl9pPr>
           </a:lstStyle>
           <a:p>
-            <a:endParaRPr lang="de-CH"/>
-          </a:p>
-        </p:txBody>
-      </p:sp>
-      <p:sp>
-        <p:nvSpPr>
-          <p:cNvPr id="4" name="Text Placeholder 3"/>
-          <p:cNvSpPr>
-            <a:spLocks noGrp="1"/>
-          </p:cNvSpPr>
-          <p:nvPr>
-            <p:ph type="body" sz="half" idx="2"/>
-          </p:nvPr>
-        </p:nvSpPr>
-        <p:spPr>
-          <a:xfrm>
-            <a:off x="839788" y="2057400"/>
-            <a:ext cx="3932237" cy="3811588"/>
-          </a:xfrm>
-        </p:spPr>
-        <p:txBody>
-          <a:bodyPr/>
-          <a:lstStyle>
-            <a:lvl1pPr marL="0" indent="0">
-              <a:buNone/>
-              <a:defRPr sz="1600"/>
-            </a:lvl1pPr>
-            <a:lvl2pPr marL="457200" indent="0">
-              <a:buNone/>
-              <a:defRPr sz="1400"/>
-            </a:lvl2pPr>
-            <a:lvl3pPr marL="914400" indent="0">
-              <a:buNone/>
-              <a:defRPr sz="1200"/>
-            </a:lvl3pPr>
-            <a:lvl4pPr marL="1371600" indent="0">
-              <a:buNone/>
-              <a:defRPr sz="1000"/>
-            </a:lvl4pPr>
-            <a:lvl5pPr marL="1828800" indent="0">
-              <a:buNone/>
-              <a:defRPr sz="1000"/>
-            </a:lvl5pPr>
-            <a:lvl6pPr marL="2286000" indent="0">
-              <a:buNone/>
-              <a:defRPr sz="1000"/>
-            </a:lvl6pPr>
-            <a:lvl7pPr marL="2743200" indent="0">
-              <a:buNone/>
-              <a:defRPr sz="1000"/>
-            </a:lvl7pPr>
-            <a:lvl8pPr marL="3200400" indent="0">
-              <a:buNone/>
-              <a:defRPr sz="1000"/>
-            </a:lvl8pPr>
-            <a:lvl9pPr marL="3657600" indent="0">
-              <a:buNone/>
-              <a:defRPr sz="1000"/>
-            </a:lvl9pPr>
-          </a:lstStyle>
-          <a:p>
             <a:pPr lvl="0"/>
             <a:r>
               <a:rPr lang="en-US" smtClean="0"/>
@@ -2352,7 +2356,7 @@
           <a:p>
             <a:fld id="{32712650-51F8-49D6-905B-06060FDC57AC}" type="datetimeFigureOut">
               <a:rPr lang="de-CH" smtClean="0"/>
-              <a:t>07.10.2015</a:t>
+              <a:t>09.10.2015</a:t>
             </a:fld>
             <a:endParaRPr lang="de-CH"/>
           </a:p>
@@ -2403,7 +2407,7 @@
     </p:spTree>
     <p:extLst>
       <p:ext uri="{BB962C8B-B14F-4D97-AF65-F5344CB8AC3E}">
-        <p14:creationId xmlns:p14="http://schemas.microsoft.com/office/powerpoint/2010/main" val="1250841734"/>
+        <p14:creationId xmlns:p14="http://schemas.microsoft.com/office/powerpoint/2010/main" val="2169181474"/>
       </p:ext>
     </p:extLst>
   </p:cSld>
@@ -2447,8 +2451,8 @@
         </p:nvSpPr>
         <p:spPr>
           <a:xfrm>
-            <a:off x="838200" y="365125"/>
-            <a:ext cx="10515600" cy="1325563"/>
+            <a:off x="838200" y="480158"/>
+            <a:ext cx="10515600" cy="1743177"/>
           </a:xfrm>
           <a:prstGeom prst="rect">
             <a:avLst/>
@@ -2464,7 +2468,7 @@
               <a:rPr lang="en-US" smtClean="0"/>
               <a:t>Click to edit Master title style</a:t>
             </a:r>
-            <a:endParaRPr lang="de-CH"/>
+            <a:endParaRPr lang="en-US" dirty="0"/>
           </a:p>
         </p:txBody>
       </p:sp>
@@ -2480,8 +2484,8 @@
         </p:nvSpPr>
         <p:spPr>
           <a:xfrm>
-            <a:off x="838200" y="1825625"/>
-            <a:ext cx="10515600" cy="4351338"/>
+            <a:off x="838200" y="2400782"/>
+            <a:ext cx="10515600" cy="5722211"/>
           </a:xfrm>
           <a:prstGeom prst="rect">
             <a:avLst/>
@@ -2526,7 +2530,7 @@
               <a:rPr lang="en-US" smtClean="0"/>
               <a:t>Fifth level</a:t>
             </a:r>
-            <a:endParaRPr lang="de-CH"/>
+            <a:endParaRPr lang="en-US" dirty="0"/>
           </a:p>
         </p:txBody>
       </p:sp>
@@ -2542,8 +2546,8 @@
         </p:nvSpPr>
         <p:spPr>
           <a:xfrm>
-            <a:off x="838200" y="6356350"/>
-            <a:ext cx="2743200" cy="365125"/>
+            <a:off x="838200" y="8358897"/>
+            <a:ext cx="2743200" cy="480156"/>
           </a:xfrm>
           <a:prstGeom prst="rect">
             <a:avLst/>
@@ -2553,7 +2557,7 @@
           <a:bodyPr vert="horz" lIns="91440" tIns="45720" rIns="91440" bIns="45720" rtlCol="0" anchor="ctr"/>
           <a:lstStyle>
             <a:lvl1pPr algn="l">
-              <a:defRPr sz="1200">
+              <a:defRPr sz="1578">
                 <a:solidFill>
                   <a:schemeClr val="tx1">
                     <a:tint val="75000"/>
@@ -2565,7 +2569,7 @@
           <a:p>
             <a:fld id="{32712650-51F8-49D6-905B-06060FDC57AC}" type="datetimeFigureOut">
               <a:rPr lang="de-CH" smtClean="0"/>
-              <a:t>07.10.2015</a:t>
+              <a:t>09.10.2015</a:t>
             </a:fld>
             <a:endParaRPr lang="de-CH"/>
           </a:p>
@@ -2583,8 +2587,8 @@
         </p:nvSpPr>
         <p:spPr>
           <a:xfrm>
-            <a:off x="4038600" y="6356350"/>
-            <a:ext cx="4114800" cy="365125"/>
+            <a:off x="4038600" y="8358897"/>
+            <a:ext cx="4114800" cy="480156"/>
           </a:xfrm>
           <a:prstGeom prst="rect">
             <a:avLst/>
@@ -2594,7 +2598,7 @@
           <a:bodyPr vert="horz" lIns="91440" tIns="45720" rIns="91440" bIns="45720" rtlCol="0" anchor="ctr"/>
           <a:lstStyle>
             <a:lvl1pPr algn="ctr">
-              <a:defRPr sz="1200">
+              <a:defRPr sz="1578">
                 <a:solidFill>
                   <a:schemeClr val="tx1">
                     <a:tint val="75000"/>
@@ -2620,8 +2624,8 @@
         </p:nvSpPr>
         <p:spPr>
           <a:xfrm>
-            <a:off x="8610600" y="6356350"/>
-            <a:ext cx="2743200" cy="365125"/>
+            <a:off x="8610600" y="8358897"/>
+            <a:ext cx="2743200" cy="480156"/>
           </a:xfrm>
           <a:prstGeom prst="rect">
             <a:avLst/>
@@ -2631,7 +2635,7 @@
           <a:bodyPr vert="horz" lIns="91440" tIns="45720" rIns="91440" bIns="45720" rtlCol="0" anchor="ctr"/>
           <a:lstStyle>
             <a:lvl1pPr algn="r">
-              <a:defRPr sz="1200">
+              <a:defRPr sz="1578">
                 <a:solidFill>
                   <a:schemeClr val="tx1">
                     <a:tint val="75000"/>
@@ -2652,27 +2656,27 @@
     </p:spTree>
     <p:extLst>
       <p:ext uri="{BB962C8B-B14F-4D97-AF65-F5344CB8AC3E}">
-        <p14:creationId xmlns:p14="http://schemas.microsoft.com/office/powerpoint/2010/main" val="2940761151"/>
+        <p14:creationId xmlns:p14="http://schemas.microsoft.com/office/powerpoint/2010/main" val="1046045496"/>
       </p:ext>
     </p:extLst>
   </p:cSld>
   <p:clrMap bg1="lt1" tx1="dk1" bg2="lt2" tx2="dk2" accent1="accent1" accent2="accent2" accent3="accent3" accent4="accent4" accent5="accent5" accent6="accent6" hlink="hlink" folHlink="folHlink"/>
   <p:sldLayoutIdLst>
-    <p:sldLayoutId id="2147483649" r:id="rId1"/>
-    <p:sldLayoutId id="2147483650" r:id="rId2"/>
-    <p:sldLayoutId id="2147483651" r:id="rId3"/>
-    <p:sldLayoutId id="2147483652" r:id="rId4"/>
-    <p:sldLayoutId id="2147483653" r:id="rId5"/>
-    <p:sldLayoutId id="2147483654" r:id="rId6"/>
-    <p:sldLayoutId id="2147483655" r:id="rId7"/>
-    <p:sldLayoutId id="2147483656" r:id="rId8"/>
-    <p:sldLayoutId id="2147483657" r:id="rId9"/>
-    <p:sldLayoutId id="2147483658" r:id="rId10"/>
-    <p:sldLayoutId id="2147483659" r:id="rId11"/>
+    <p:sldLayoutId id="2147483661" r:id="rId1"/>
+    <p:sldLayoutId id="2147483662" r:id="rId2"/>
+    <p:sldLayoutId id="2147483663" r:id="rId3"/>
+    <p:sldLayoutId id="2147483664" r:id="rId4"/>
+    <p:sldLayoutId id="2147483665" r:id="rId5"/>
+    <p:sldLayoutId id="2147483666" r:id="rId6"/>
+    <p:sldLayoutId id="2147483667" r:id="rId7"/>
+    <p:sldLayoutId id="2147483668" r:id="rId8"/>
+    <p:sldLayoutId id="2147483669" r:id="rId9"/>
+    <p:sldLayoutId id="2147483670" r:id="rId10"/>
+    <p:sldLayoutId id="2147483671" r:id="rId11"/>
   </p:sldLayoutIdLst>
   <p:txStyles>
     <p:titleStyle>
-      <a:lvl1pPr algn="l" defTabSz="914400" rtl="0" eaLnBrk="1" latinLnBrk="0" hangingPunct="1">
+      <a:lvl1pPr algn="l" defTabSz="1202436" rtl="0" eaLnBrk="1" latinLnBrk="0" hangingPunct="1">
         <a:lnSpc>
           <a:spcPct val="90000"/>
         </a:lnSpc>
@@ -2680,7 +2684,7 @@
           <a:spcPct val="0"/>
         </a:spcBef>
         <a:buNone/>
-        <a:defRPr sz="4400" kern="1200">
+        <a:defRPr sz="5786" kern="1200">
           <a:solidFill>
             <a:schemeClr val="tx1"/>
           </a:solidFill>
@@ -2691,16 +2695,16 @@
       </a:lvl1pPr>
     </p:titleStyle>
     <p:bodyStyle>
-      <a:lvl1pPr marL="228600" indent="-228600" algn="l" defTabSz="914400" rtl="0" eaLnBrk="1" latinLnBrk="0" hangingPunct="1">
+      <a:lvl1pPr marL="300609" indent="-300609" algn="l" defTabSz="1202436" rtl="0" eaLnBrk="1" latinLnBrk="0" hangingPunct="1">
         <a:lnSpc>
           <a:spcPct val="90000"/>
         </a:lnSpc>
         <a:spcBef>
-          <a:spcPts val="1000"/>
+          <a:spcPts val="1315"/>
         </a:spcBef>
         <a:buFont typeface="Arial" panose="020B0604020202020204" pitchFamily="34" charset="0"/>
         <a:buChar char="•"/>
-        <a:defRPr sz="2800" kern="1200">
+        <a:defRPr sz="3682" kern="1200">
           <a:solidFill>
             <a:schemeClr val="tx1"/>
           </a:solidFill>
@@ -2709,16 +2713,16 @@
           <a:cs typeface="+mn-cs"/>
         </a:defRPr>
       </a:lvl1pPr>
-      <a:lvl2pPr marL="685800" indent="-228600" algn="l" defTabSz="914400" rtl="0" eaLnBrk="1" latinLnBrk="0" hangingPunct="1">
+      <a:lvl2pPr marL="901827" indent="-300609" algn="l" defTabSz="1202436" rtl="0" eaLnBrk="1" latinLnBrk="0" hangingPunct="1">
         <a:lnSpc>
           <a:spcPct val="90000"/>
         </a:lnSpc>
         <a:spcBef>
-          <a:spcPts val="500"/>
+          <a:spcPts val="658"/>
         </a:spcBef>
         <a:buFont typeface="Arial" panose="020B0604020202020204" pitchFamily="34" charset="0"/>
         <a:buChar char="•"/>
-        <a:defRPr sz="2400" kern="1200">
+        <a:defRPr sz="3156" kern="1200">
           <a:solidFill>
             <a:schemeClr val="tx1"/>
           </a:solidFill>
@@ -2727,16 +2731,16 @@
           <a:cs typeface="+mn-cs"/>
         </a:defRPr>
       </a:lvl2pPr>
-      <a:lvl3pPr marL="1143000" indent="-228600" algn="l" defTabSz="914400" rtl="0" eaLnBrk="1" latinLnBrk="0" hangingPunct="1">
+      <a:lvl3pPr marL="1503045" indent="-300609" algn="l" defTabSz="1202436" rtl="0" eaLnBrk="1" latinLnBrk="0" hangingPunct="1">
         <a:lnSpc>
           <a:spcPct val="90000"/>
         </a:lnSpc>
         <a:spcBef>
-          <a:spcPts val="500"/>
+          <a:spcPts val="658"/>
         </a:spcBef>
         <a:buFont typeface="Arial" panose="020B0604020202020204" pitchFamily="34" charset="0"/>
         <a:buChar char="•"/>
-        <a:defRPr sz="2000" kern="1200">
+        <a:defRPr sz="2630" kern="1200">
           <a:solidFill>
             <a:schemeClr val="tx1"/>
           </a:solidFill>
@@ -2745,16 +2749,16 @@
           <a:cs typeface="+mn-cs"/>
         </a:defRPr>
       </a:lvl3pPr>
-      <a:lvl4pPr marL="1600200" indent="-228600" algn="l" defTabSz="914400" rtl="0" eaLnBrk="1" latinLnBrk="0" hangingPunct="1">
+      <a:lvl4pPr marL="2104263" indent="-300609" algn="l" defTabSz="1202436" rtl="0" eaLnBrk="1" latinLnBrk="0" hangingPunct="1">
         <a:lnSpc>
           <a:spcPct val="90000"/>
         </a:lnSpc>
         <a:spcBef>
-          <a:spcPts val="500"/>
+          <a:spcPts val="658"/>
         </a:spcBef>
         <a:buFont typeface="Arial" panose="020B0604020202020204" pitchFamily="34" charset="0"/>
         <a:buChar char="•"/>
-        <a:defRPr sz="1800" kern="1200">
+        <a:defRPr sz="2367" kern="1200">
           <a:solidFill>
             <a:schemeClr val="tx1"/>
           </a:solidFill>
@@ -2763,16 +2767,16 @@
           <a:cs typeface="+mn-cs"/>
         </a:defRPr>
       </a:lvl4pPr>
-      <a:lvl5pPr marL="2057400" indent="-228600" algn="l" defTabSz="914400" rtl="0" eaLnBrk="1" latinLnBrk="0" hangingPunct="1">
+      <a:lvl5pPr marL="2705481" indent="-300609" algn="l" defTabSz="1202436" rtl="0" eaLnBrk="1" latinLnBrk="0" hangingPunct="1">
         <a:lnSpc>
           <a:spcPct val="90000"/>
         </a:lnSpc>
         <a:spcBef>
-          <a:spcPts val="500"/>
+          <a:spcPts val="658"/>
         </a:spcBef>
         <a:buFont typeface="Arial" panose="020B0604020202020204" pitchFamily="34" charset="0"/>
         <a:buChar char="•"/>
-        <a:defRPr sz="1800" kern="1200">
+        <a:defRPr sz="2367" kern="1200">
           <a:solidFill>
             <a:schemeClr val="tx1"/>
           </a:solidFill>
@@ -2781,16 +2785,16 @@
           <a:cs typeface="+mn-cs"/>
         </a:defRPr>
       </a:lvl5pPr>
-      <a:lvl6pPr marL="2514600" indent="-228600" algn="l" defTabSz="914400" rtl="0" eaLnBrk="1" latinLnBrk="0" hangingPunct="1">
+      <a:lvl6pPr marL="3306699" indent="-300609" algn="l" defTabSz="1202436" rtl="0" eaLnBrk="1" latinLnBrk="0" hangingPunct="1">
         <a:lnSpc>
           <a:spcPct val="90000"/>
         </a:lnSpc>
         <a:spcBef>
-          <a:spcPts val="500"/>
+          <a:spcPts val="658"/>
         </a:spcBef>
         <a:buFont typeface="Arial" panose="020B0604020202020204" pitchFamily="34" charset="0"/>
         <a:buChar char="•"/>
-        <a:defRPr sz="1800" kern="1200">
+        <a:defRPr sz="2367" kern="1200">
           <a:solidFill>
             <a:schemeClr val="tx1"/>
           </a:solidFill>
@@ -2799,16 +2803,16 @@
           <a:cs typeface="+mn-cs"/>
         </a:defRPr>
       </a:lvl6pPr>
-      <a:lvl7pPr marL="2971800" indent="-228600" algn="l" defTabSz="914400" rtl="0" eaLnBrk="1" latinLnBrk="0" hangingPunct="1">
+      <a:lvl7pPr marL="3907917" indent="-300609" algn="l" defTabSz="1202436" rtl="0" eaLnBrk="1" latinLnBrk="0" hangingPunct="1">
         <a:lnSpc>
           <a:spcPct val="90000"/>
         </a:lnSpc>
         <a:spcBef>
-          <a:spcPts val="500"/>
+          <a:spcPts val="658"/>
         </a:spcBef>
         <a:buFont typeface="Arial" panose="020B0604020202020204" pitchFamily="34" charset="0"/>
         <a:buChar char="•"/>
-        <a:defRPr sz="1800" kern="1200">
+        <a:defRPr sz="2367" kern="1200">
           <a:solidFill>
             <a:schemeClr val="tx1"/>
           </a:solidFill>
@@ -2817,16 +2821,16 @@
           <a:cs typeface="+mn-cs"/>
         </a:defRPr>
       </a:lvl7pPr>
-      <a:lvl8pPr marL="3429000" indent="-228600" algn="l" defTabSz="914400" rtl="0" eaLnBrk="1" latinLnBrk="0" hangingPunct="1">
+      <a:lvl8pPr marL="4509135" indent="-300609" algn="l" defTabSz="1202436" rtl="0" eaLnBrk="1" latinLnBrk="0" hangingPunct="1">
         <a:lnSpc>
           <a:spcPct val="90000"/>
         </a:lnSpc>
         <a:spcBef>
-          <a:spcPts val="500"/>
+          <a:spcPts val="658"/>
         </a:spcBef>
         <a:buFont typeface="Arial" panose="020B0604020202020204" pitchFamily="34" charset="0"/>
         <a:buChar char="•"/>
-        <a:defRPr sz="1800" kern="1200">
+        <a:defRPr sz="2367" kern="1200">
           <a:solidFill>
             <a:schemeClr val="tx1"/>
           </a:solidFill>
@@ -2835,16 +2839,16 @@
           <a:cs typeface="+mn-cs"/>
         </a:defRPr>
       </a:lvl8pPr>
-      <a:lvl9pPr marL="3886200" indent="-228600" algn="l" defTabSz="914400" rtl="0" eaLnBrk="1" latinLnBrk="0" hangingPunct="1">
+      <a:lvl9pPr marL="5110353" indent="-300609" algn="l" defTabSz="1202436" rtl="0" eaLnBrk="1" latinLnBrk="0" hangingPunct="1">
         <a:lnSpc>
           <a:spcPct val="90000"/>
         </a:lnSpc>
         <a:spcBef>
-          <a:spcPts val="500"/>
+          <a:spcPts val="658"/>
         </a:spcBef>
         <a:buFont typeface="Arial" panose="020B0604020202020204" pitchFamily="34" charset="0"/>
         <a:buChar char="•"/>
-        <a:defRPr sz="1800" kern="1200">
+        <a:defRPr sz="2367" kern="1200">
           <a:solidFill>
             <a:schemeClr val="tx1"/>
           </a:solidFill>
@@ -2856,10 +2860,10 @@
     </p:bodyStyle>
     <p:otherStyle>
       <a:defPPr>
-        <a:defRPr lang="de-DE"/>
+        <a:defRPr lang="en-US"/>
       </a:defPPr>
-      <a:lvl1pPr marL="0" algn="l" defTabSz="914400" rtl="0" eaLnBrk="1" latinLnBrk="0" hangingPunct="1">
-        <a:defRPr sz="1800" kern="1200">
+      <a:lvl1pPr marL="0" algn="l" defTabSz="1202436" rtl="0" eaLnBrk="1" latinLnBrk="0" hangingPunct="1">
+        <a:defRPr sz="2367" kern="1200">
           <a:solidFill>
             <a:schemeClr val="tx1"/>
           </a:solidFill>
@@ -2868,8 +2872,8 @@
           <a:cs typeface="+mn-cs"/>
         </a:defRPr>
       </a:lvl1pPr>
-      <a:lvl2pPr marL="457200" algn="l" defTabSz="914400" rtl="0" eaLnBrk="1" latinLnBrk="0" hangingPunct="1">
-        <a:defRPr sz="1800" kern="1200">
+      <a:lvl2pPr marL="601218" algn="l" defTabSz="1202436" rtl="0" eaLnBrk="1" latinLnBrk="0" hangingPunct="1">
+        <a:defRPr sz="2367" kern="1200">
           <a:solidFill>
             <a:schemeClr val="tx1"/>
           </a:solidFill>
@@ -2878,8 +2882,8 @@
           <a:cs typeface="+mn-cs"/>
         </a:defRPr>
       </a:lvl2pPr>
-      <a:lvl3pPr marL="914400" algn="l" defTabSz="914400" rtl="0" eaLnBrk="1" latinLnBrk="0" hangingPunct="1">
-        <a:defRPr sz="1800" kern="1200">
+      <a:lvl3pPr marL="1202436" algn="l" defTabSz="1202436" rtl="0" eaLnBrk="1" latinLnBrk="0" hangingPunct="1">
+        <a:defRPr sz="2367" kern="1200">
           <a:solidFill>
             <a:schemeClr val="tx1"/>
           </a:solidFill>
@@ -2888,8 +2892,8 @@
           <a:cs typeface="+mn-cs"/>
         </a:defRPr>
       </a:lvl3pPr>
-      <a:lvl4pPr marL="1371600" algn="l" defTabSz="914400" rtl="0" eaLnBrk="1" latinLnBrk="0" hangingPunct="1">
-        <a:defRPr sz="1800" kern="1200">
+      <a:lvl4pPr marL="1803654" algn="l" defTabSz="1202436" rtl="0" eaLnBrk="1" latinLnBrk="0" hangingPunct="1">
+        <a:defRPr sz="2367" kern="1200">
           <a:solidFill>
             <a:schemeClr val="tx1"/>
           </a:solidFill>
@@ -2898,8 +2902,8 @@
           <a:cs typeface="+mn-cs"/>
         </a:defRPr>
       </a:lvl4pPr>
-      <a:lvl5pPr marL="1828800" algn="l" defTabSz="914400" rtl="0" eaLnBrk="1" latinLnBrk="0" hangingPunct="1">
-        <a:defRPr sz="1800" kern="1200">
+      <a:lvl5pPr marL="2404872" algn="l" defTabSz="1202436" rtl="0" eaLnBrk="1" latinLnBrk="0" hangingPunct="1">
+        <a:defRPr sz="2367" kern="1200">
           <a:solidFill>
             <a:schemeClr val="tx1"/>
           </a:solidFill>
@@ -2908,8 +2912,8 @@
           <a:cs typeface="+mn-cs"/>
         </a:defRPr>
       </a:lvl5pPr>
-      <a:lvl6pPr marL="2286000" algn="l" defTabSz="914400" rtl="0" eaLnBrk="1" latinLnBrk="0" hangingPunct="1">
-        <a:defRPr sz="1800" kern="1200">
+      <a:lvl6pPr marL="3006090" algn="l" defTabSz="1202436" rtl="0" eaLnBrk="1" latinLnBrk="0" hangingPunct="1">
+        <a:defRPr sz="2367" kern="1200">
           <a:solidFill>
             <a:schemeClr val="tx1"/>
           </a:solidFill>
@@ -2918,8 +2922,8 @@
           <a:cs typeface="+mn-cs"/>
         </a:defRPr>
       </a:lvl6pPr>
-      <a:lvl7pPr marL="2743200" algn="l" defTabSz="914400" rtl="0" eaLnBrk="1" latinLnBrk="0" hangingPunct="1">
-        <a:defRPr sz="1800" kern="1200">
+      <a:lvl7pPr marL="3607308" algn="l" defTabSz="1202436" rtl="0" eaLnBrk="1" latinLnBrk="0" hangingPunct="1">
+        <a:defRPr sz="2367" kern="1200">
           <a:solidFill>
             <a:schemeClr val="tx1"/>
           </a:solidFill>
@@ -2928,8 +2932,8 @@
           <a:cs typeface="+mn-cs"/>
         </a:defRPr>
       </a:lvl7pPr>
-      <a:lvl8pPr marL="3200400" algn="l" defTabSz="914400" rtl="0" eaLnBrk="1" latinLnBrk="0" hangingPunct="1">
-        <a:defRPr sz="1800" kern="1200">
+      <a:lvl8pPr marL="4208526" algn="l" defTabSz="1202436" rtl="0" eaLnBrk="1" latinLnBrk="0" hangingPunct="1">
+        <a:defRPr sz="2367" kern="1200">
           <a:solidFill>
             <a:schemeClr val="tx1"/>
           </a:solidFill>
@@ -2938,8 +2942,8 @@
           <a:cs typeface="+mn-cs"/>
         </a:defRPr>
       </a:lvl8pPr>
-      <a:lvl9pPr marL="3657600" algn="l" defTabSz="914400" rtl="0" eaLnBrk="1" latinLnBrk="0" hangingPunct="1">
-        <a:defRPr sz="1800" kern="1200">
+      <a:lvl9pPr marL="4809744" algn="l" defTabSz="1202436" rtl="0" eaLnBrk="1" latinLnBrk="0" hangingPunct="1">
+        <a:defRPr sz="2367" kern="1200">
           <a:solidFill>
             <a:schemeClr val="tx1"/>
           </a:solidFill>
@@ -2986,7 +2990,7 @@
         </p:blipFill>
         <p:spPr>
           <a:xfrm>
-            <a:off x="1787369" y="197138"/>
+            <a:off x="1787370" y="1277432"/>
             <a:ext cx="2739772" cy="1712834"/>
           </a:xfrm>
           <a:prstGeom prst="rect">
@@ -3018,7 +3022,7 @@
         </p:blipFill>
         <p:spPr>
           <a:xfrm>
-            <a:off x="523379" y="412063"/>
+            <a:off x="523379" y="1492358"/>
             <a:ext cx="1028844" cy="1620429"/>
           </a:xfrm>
           <a:prstGeom prst="rect">
@@ -3047,7 +3051,7 @@
         </p:blipFill>
         <p:spPr>
           <a:xfrm>
-            <a:off x="2701420" y="4818624"/>
+            <a:off x="2701420" y="5898918"/>
             <a:ext cx="911670" cy="1366076"/>
           </a:xfrm>
           <a:prstGeom prst="rect">
@@ -3076,7 +3080,7 @@
         </p:blipFill>
         <p:spPr>
           <a:xfrm>
-            <a:off x="442304" y="4564271"/>
+            <a:off x="442305" y="5644565"/>
             <a:ext cx="1768087" cy="1874782"/>
           </a:xfrm>
           <a:prstGeom prst="rect">
@@ -3105,7 +3109,7 @@
         </p:blipFill>
         <p:spPr>
           <a:xfrm>
-            <a:off x="153758" y="2251491"/>
+            <a:off x="153759" y="3331785"/>
             <a:ext cx="1768087" cy="1874782"/>
           </a:xfrm>
           <a:prstGeom prst="rect">
@@ -3134,7 +3138,7 @@
         </p:blipFill>
         <p:spPr>
           <a:xfrm>
-            <a:off x="2273212" y="2433107"/>
+            <a:off x="2273214" y="3513402"/>
             <a:ext cx="1768087" cy="1874782"/>
           </a:xfrm>
           <a:prstGeom prst="rect">
@@ -3163,7 +3167,7 @@
         </p:blipFill>
         <p:spPr>
           <a:xfrm>
-            <a:off x="7362749" y="3732441"/>
+            <a:off x="7362749" y="4812735"/>
             <a:ext cx="2652130" cy="2812172"/>
           </a:xfrm>
           <a:prstGeom prst="rect">
@@ -3192,7 +3196,7 @@
         </p:blipFill>
         <p:spPr>
           <a:xfrm>
-            <a:off x="7318928" y="355309"/>
+            <a:off x="7318928" y="1435603"/>
             <a:ext cx="2739772" cy="1712834"/>
           </a:xfrm>
           <a:prstGeom prst="rect">
@@ -3224,7 +3228,7 @@
         </p:blipFill>
         <p:spPr>
           <a:xfrm>
-            <a:off x="6127440" y="1211726"/>
+            <a:off x="6127440" y="2292022"/>
             <a:ext cx="1028844" cy="1620429"/>
           </a:xfrm>
           <a:prstGeom prst="rect">
@@ -3253,7 +3257,7 @@
         </p:blipFill>
         <p:spPr>
           <a:xfrm>
-            <a:off x="10126468" y="1646768"/>
+            <a:off x="10126468" y="2727063"/>
             <a:ext cx="911670" cy="1366076"/>
           </a:xfrm>
           <a:prstGeom prst="rect">
@@ -3277,7 +3281,7 @@
         </p:nvCxnSpPr>
         <p:spPr>
           <a:xfrm flipH="1" flipV="1">
-            <a:off x="6641862" y="2832155"/>
+            <a:off x="6641863" y="3912449"/>
             <a:ext cx="2046952" cy="900286"/>
           </a:xfrm>
           <a:prstGeom prst="straightConnector1">
@@ -3313,7 +3317,7 @@
         </p:nvCxnSpPr>
         <p:spPr>
           <a:xfrm flipV="1">
-            <a:off x="8688814" y="2068143"/>
+            <a:off x="8688814" y="3148437"/>
             <a:ext cx="0" cy="1664298"/>
           </a:xfrm>
           <a:prstGeom prst="straightConnector1">
@@ -3349,7 +3353,7 @@
         </p:nvCxnSpPr>
         <p:spPr>
           <a:xfrm flipV="1">
-            <a:off x="8688814" y="3012844"/>
+            <a:off x="8688816" y="4093140"/>
             <a:ext cx="1893489" cy="719597"/>
           </a:xfrm>
           <a:prstGeom prst="straightConnector1">
@@ -3385,7 +3389,7 @@
         </p:nvCxnSpPr>
         <p:spPr>
           <a:xfrm flipH="1" flipV="1">
-            <a:off x="1037801" y="2032492"/>
+            <a:off x="1037802" y="3112787"/>
             <a:ext cx="1" cy="218999"/>
           </a:xfrm>
           <a:prstGeom prst="straightConnector1">
@@ -3421,7 +3425,7 @@
         </p:nvCxnSpPr>
         <p:spPr>
           <a:xfrm flipH="1" flipV="1">
-            <a:off x="3157255" y="1909972"/>
+            <a:off x="3157257" y="2990268"/>
             <a:ext cx="1" cy="523135"/>
           </a:xfrm>
           <a:prstGeom prst="straightConnector1">
@@ -3457,7 +3461,7 @@
         </p:nvCxnSpPr>
         <p:spPr>
           <a:xfrm>
-            <a:off x="2210391" y="5501662"/>
+            <a:off x="2210393" y="6581956"/>
             <a:ext cx="491029" cy="0"/>
           </a:xfrm>
           <a:prstGeom prst="straightConnector1">
@@ -3490,7 +3494,7 @@
         </p:nvSpPr>
         <p:spPr>
           <a:xfrm>
-            <a:off x="4202052" y="3706463"/>
+            <a:off x="4202052" y="4786757"/>
             <a:ext cx="2917704" cy="781028"/>
           </a:xfrm>
           <a:prstGeom prst="rightArrow">
@@ -3517,7 +3521,7 @@
           <a:p>
             <a:pPr algn="ctr"/>
             <a:r>
-              <a:rPr lang="de-CH" dirty="0" smtClean="0"/>
+              <a:rPr lang="de-CH" dirty="0"/>
               <a:t>Aggregation</a:t>
             </a:r>
             <a:endParaRPr lang="de-CH" dirty="0"/>
@@ -3570,7 +3574,7 @@
         </p:blipFill>
         <p:spPr>
           <a:xfrm>
-            <a:off x="439815" y="108305"/>
+            <a:off x="439815" y="1188599"/>
             <a:ext cx="1200318" cy="1890500"/>
           </a:xfrm>
           <a:prstGeom prst="rect">
@@ -3599,7 +3603,7 @@
         </p:blipFill>
         <p:spPr>
           <a:xfrm>
-            <a:off x="2689466" y="4704783"/>
+            <a:off x="2689468" y="5785078"/>
             <a:ext cx="1063615" cy="1593755"/>
           </a:xfrm>
           <a:prstGeom prst="rect">
@@ -3628,7 +3632,7 @@
         </p:blipFill>
         <p:spPr>
           <a:xfrm>
-            <a:off x="5691202" y="871067"/>
+            <a:off x="5691202" y="1951362"/>
             <a:ext cx="1200318" cy="1890500"/>
           </a:xfrm>
           <a:prstGeom prst="rect">
@@ -3657,7 +3661,7 @@
         </p:blipFill>
         <p:spPr>
           <a:xfrm>
-            <a:off x="10348784" y="1322463"/>
+            <a:off x="10348786" y="2402759"/>
             <a:ext cx="1063615" cy="1593755"/>
           </a:xfrm>
           <a:prstGeom prst="rect">
@@ -3681,7 +3685,7 @@
         </p:nvCxnSpPr>
         <p:spPr>
           <a:xfrm flipH="1" flipV="1">
-            <a:off x="6291361" y="2761567"/>
+            <a:off x="6291362" y="3841863"/>
             <a:ext cx="2397453" cy="979297"/>
           </a:xfrm>
           <a:prstGeom prst="straightConnector1">
@@ -3717,7 +3721,7 @@
         </p:nvCxnSpPr>
         <p:spPr>
           <a:xfrm flipV="1">
-            <a:off x="8688814" y="2218185"/>
+            <a:off x="8688814" y="3298481"/>
             <a:ext cx="0" cy="1522679"/>
           </a:xfrm>
           <a:prstGeom prst="straightConnector1">
@@ -3753,7 +3757,7 @@
         </p:nvCxnSpPr>
         <p:spPr>
           <a:xfrm flipV="1">
-            <a:off x="8688814" y="2916218"/>
+            <a:off x="8688814" y="3996512"/>
             <a:ext cx="2191778" cy="824646"/>
           </a:xfrm>
           <a:prstGeom prst="straightConnector1">
@@ -3789,7 +3793,7 @@
         </p:nvCxnSpPr>
         <p:spPr>
           <a:xfrm flipV="1">
-            <a:off x="1039974" y="1998805"/>
+            <a:off x="1039974" y="3079099"/>
             <a:ext cx="0" cy="255186"/>
           </a:xfrm>
           <a:prstGeom prst="straightConnector1">
@@ -3825,7 +3829,7 @@
         </p:nvCxnSpPr>
         <p:spPr>
           <a:xfrm flipV="1">
-            <a:off x="3157255" y="1909972"/>
+            <a:off x="3157255" y="2990268"/>
             <a:ext cx="0" cy="576265"/>
           </a:xfrm>
           <a:prstGeom prst="straightConnector1">
@@ -3861,7 +3865,7 @@
         </p:nvCxnSpPr>
         <p:spPr>
           <a:xfrm flipV="1">
-            <a:off x="2183565" y="5501661"/>
+            <a:off x="2183567" y="6581957"/>
             <a:ext cx="505901" cy="1"/>
           </a:xfrm>
           <a:prstGeom prst="straightConnector1">
@@ -3894,7 +3898,7 @@
         </p:nvSpPr>
         <p:spPr>
           <a:xfrm>
-            <a:off x="4202052" y="3706463"/>
+            <a:off x="4202052" y="4786757"/>
             <a:ext cx="2917704" cy="781028"/>
           </a:xfrm>
           <a:prstGeom prst="rightArrow">
@@ -3921,7 +3925,7 @@
           <a:p>
             <a:pPr algn="ctr"/>
             <a:r>
-              <a:rPr lang="de-CH" dirty="0" smtClean="0"/>
+              <a:rPr lang="de-CH" dirty="0"/>
               <a:t>Aggregation</a:t>
             </a:r>
             <a:endParaRPr lang="de-CH" dirty="0"/>
@@ -3944,7 +3948,7 @@
         </p:blipFill>
         <p:spPr>
           <a:xfrm>
-            <a:off x="7342021" y="3740864"/>
+            <a:off x="7342021" y="4821158"/>
             <a:ext cx="2693586" cy="2812172"/>
           </a:xfrm>
           <a:prstGeom prst="rect">
@@ -3973,7 +3977,7 @@
         </p:blipFill>
         <p:spPr>
           <a:xfrm>
-            <a:off x="142112" y="2253991"/>
+            <a:off x="142112" y="3334286"/>
             <a:ext cx="1795724" cy="1874781"/>
           </a:xfrm>
           <a:prstGeom prst="rect">
@@ -4002,7 +4006,7 @@
         </p:blipFill>
         <p:spPr>
           <a:xfrm>
-            <a:off x="387841" y="4564271"/>
+            <a:off x="387841" y="5644566"/>
             <a:ext cx="1795724" cy="1874781"/>
           </a:xfrm>
           <a:prstGeom prst="rect">
@@ -4031,7 +4035,7 @@
         </p:blipFill>
         <p:spPr>
           <a:xfrm>
-            <a:off x="1787369" y="197138"/>
+            <a:off x="1787370" y="1277432"/>
             <a:ext cx="2739772" cy="1712834"/>
           </a:xfrm>
           <a:prstGeom prst="rect">
@@ -4063,7 +4067,7 @@
         </p:blipFill>
         <p:spPr>
           <a:xfrm>
-            <a:off x="7318928" y="505351"/>
+            <a:off x="7318928" y="1585645"/>
             <a:ext cx="2739772" cy="1712834"/>
           </a:xfrm>
           <a:prstGeom prst="rect">
@@ -4095,7 +4099,7 @@
         </p:blipFill>
         <p:spPr>
           <a:xfrm>
-            <a:off x="2259393" y="2486237"/>
+            <a:off x="2259393" y="3566533"/>
             <a:ext cx="1795724" cy="1874781"/>
           </a:xfrm>
           <a:prstGeom prst="rect">
@@ -4121,10 +4125,691 @@
 </p:sld>
 </file>
 
+<file path=ppt/slides/slide3.xml><?xml version="1.0" encoding="utf-8"?>
+<p:sld xmlns:a="http://schemas.openxmlformats.org/drawingml/2006/main" xmlns:r="http://schemas.openxmlformats.org/officeDocument/2006/relationships" xmlns:p="http://schemas.openxmlformats.org/presentationml/2006/main">
+  <p:cSld>
+    <p:spTree>
+      <p:nvGrpSpPr>
+        <p:cNvPr id="1" name=""/>
+        <p:cNvGrpSpPr/>
+        <p:nvPr/>
+      </p:nvGrpSpPr>
+      <p:grpSpPr>
+        <a:xfrm>
+          <a:off x="0" y="0"/>
+          <a:ext cx="0" cy="0"/>
+          <a:chOff x="0" y="0"/>
+          <a:chExt cx="0" cy="0"/>
+        </a:xfrm>
+      </p:grpSpPr>
+      <p:pic>
+        <p:nvPicPr>
+          <p:cNvPr id="4" name="Picture 3"/>
+          <p:cNvPicPr>
+            <a:picLocks noChangeAspect="1"/>
+          </p:cNvPicPr>
+          <p:nvPr/>
+        </p:nvPicPr>
+        <p:blipFill>
+          <a:blip r:embed="rId2" cstate="print">
+            <a:extLst>
+              <a:ext uri="{28A0092B-C50C-407E-A947-70E740481C1C}">
+                <a14:useLocalDpi xmlns:a14="http://schemas.microsoft.com/office/drawing/2010/main" val="0"/>
+              </a:ext>
+            </a:extLst>
+          </a:blip>
+          <a:stretch>
+            <a:fillRect/>
+          </a:stretch>
+        </p:blipFill>
+        <p:spPr>
+          <a:xfrm>
+            <a:off x="35659" y="1231707"/>
+            <a:ext cx="3429479" cy="2143424"/>
+          </a:xfrm>
+          <a:prstGeom prst="rect">
+            <a:avLst/>
+          </a:prstGeom>
+          <a:ln w="3175">
+            <a:noFill/>
+          </a:ln>
+        </p:spPr>
+      </p:pic>
+      <p:pic>
+        <p:nvPicPr>
+          <p:cNvPr id="5" name="Picture 4"/>
+          <p:cNvPicPr>
+            <a:picLocks noChangeAspect="1"/>
+          </p:cNvPicPr>
+          <p:nvPr/>
+        </p:nvPicPr>
+        <p:blipFill>
+          <a:blip r:embed="rId2" cstate="print">
+            <a:extLst>
+              <a:ext uri="{28A0092B-C50C-407E-A947-70E740481C1C}">
+                <a14:useLocalDpi xmlns:a14="http://schemas.microsoft.com/office/drawing/2010/main" val="0"/>
+              </a:ext>
+            </a:extLst>
+          </a:blip>
+          <a:stretch>
+            <a:fillRect/>
+          </a:stretch>
+        </p:blipFill>
+        <p:spPr>
+          <a:xfrm>
+            <a:off x="6732609" y="854878"/>
+            <a:ext cx="3429479" cy="2143424"/>
+          </a:xfrm>
+          <a:prstGeom prst="rect">
+            <a:avLst/>
+          </a:prstGeom>
+          <a:ln w="3175">
+            <a:noFill/>
+          </a:ln>
+        </p:spPr>
+      </p:pic>
+      <p:pic>
+        <p:nvPicPr>
+          <p:cNvPr id="6" name="Picture 5"/>
+          <p:cNvPicPr>
+            <a:picLocks noChangeAspect="1"/>
+          </p:cNvPicPr>
+          <p:nvPr/>
+        </p:nvPicPr>
+        <p:blipFill>
+          <a:blip r:embed="rId3" cstate="print">
+            <a:extLst>
+              <a:ext uri="{28A0092B-C50C-407E-A947-70E740481C1C}">
+                <a14:useLocalDpi xmlns:a14="http://schemas.microsoft.com/office/drawing/2010/main" val="0"/>
+              </a:ext>
+            </a:extLst>
+          </a:blip>
+          <a:stretch>
+            <a:fillRect/>
+          </a:stretch>
+        </p:blipFill>
+        <p:spPr>
+          <a:xfrm>
+            <a:off x="3877362" y="3113460"/>
+            <a:ext cx="1543266" cy="2743583"/>
+          </a:xfrm>
+          <a:prstGeom prst="rect">
+            <a:avLst/>
+          </a:prstGeom>
+        </p:spPr>
+      </p:pic>
+      <p:pic>
+        <p:nvPicPr>
+          <p:cNvPr id="7" name="Picture 6"/>
+          <p:cNvPicPr>
+            <a:picLocks noChangeAspect="1"/>
+          </p:cNvPicPr>
+          <p:nvPr/>
+        </p:nvPicPr>
+        <p:blipFill>
+          <a:blip r:embed="rId3" cstate="print">
+            <a:extLst>
+              <a:ext uri="{28A0092B-C50C-407E-A947-70E740481C1C}">
+                <a14:useLocalDpi xmlns:a14="http://schemas.microsoft.com/office/drawing/2010/main" val="0"/>
+              </a:ext>
+            </a:extLst>
+          </a:blip>
+          <a:stretch>
+            <a:fillRect/>
+          </a:stretch>
+        </p:blipFill>
+        <p:spPr>
+          <a:xfrm>
+            <a:off x="10438056" y="3593195"/>
+            <a:ext cx="1543266" cy="2743583"/>
+          </a:xfrm>
+          <a:prstGeom prst="rect">
+            <a:avLst/>
+          </a:prstGeom>
+        </p:spPr>
+      </p:pic>
+      <p:pic>
+        <p:nvPicPr>
+          <p:cNvPr id="8" name="Picture 7"/>
+          <p:cNvPicPr>
+            <a:picLocks noChangeAspect="1"/>
+          </p:cNvPicPr>
+          <p:nvPr/>
+        </p:nvPicPr>
+        <p:blipFill>
+          <a:blip r:embed="rId4" cstate="print">
+            <a:extLst>
+              <a:ext uri="{28A0092B-C50C-407E-A947-70E740481C1C}">
+                <a14:useLocalDpi xmlns:a14="http://schemas.microsoft.com/office/drawing/2010/main" val="0"/>
+              </a:ext>
+            </a:extLst>
+          </a:blip>
+          <a:stretch>
+            <a:fillRect/>
+          </a:stretch>
+        </p:blipFill>
+        <p:spPr>
+          <a:xfrm>
+            <a:off x="7761452" y="6819519"/>
+            <a:ext cx="1371791" cy="2057687"/>
+          </a:xfrm>
+          <a:prstGeom prst="rect">
+            <a:avLst/>
+          </a:prstGeom>
+        </p:spPr>
+      </p:pic>
+      <p:pic>
+        <p:nvPicPr>
+          <p:cNvPr id="9" name="Picture 8"/>
+          <p:cNvPicPr>
+            <a:picLocks noChangeAspect="1"/>
+          </p:cNvPicPr>
+          <p:nvPr/>
+        </p:nvPicPr>
+        <p:blipFill>
+          <a:blip r:embed="rId4" cstate="print">
+            <a:extLst>
+              <a:ext uri="{28A0092B-C50C-407E-A947-70E740481C1C}">
+                <a14:useLocalDpi xmlns:a14="http://schemas.microsoft.com/office/drawing/2010/main" val="0"/>
+              </a:ext>
+            </a:extLst>
+          </a:blip>
+          <a:stretch>
+            <a:fillRect/>
+          </a:stretch>
+        </p:blipFill>
+        <p:spPr>
+          <a:xfrm>
+            <a:off x="2785503" y="5954763"/>
+            <a:ext cx="1371791" cy="2057687"/>
+          </a:xfrm>
+          <a:prstGeom prst="rect">
+            <a:avLst/>
+          </a:prstGeom>
+        </p:spPr>
+      </p:pic>
+      <p:pic>
+        <p:nvPicPr>
+          <p:cNvPr id="11" name="Picture 10"/>
+          <p:cNvPicPr>
+            <a:picLocks noChangeAspect="1"/>
+          </p:cNvPicPr>
+          <p:nvPr/>
+        </p:nvPicPr>
+        <p:blipFill>
+          <a:blip r:embed="rId5">
+            <a:extLst>
+              <a:ext uri="{28A0092B-C50C-407E-A947-70E740481C1C}">
+                <a14:useLocalDpi xmlns:a14="http://schemas.microsoft.com/office/drawing/2010/main" val="0"/>
+              </a:ext>
+            </a:extLst>
+          </a:blip>
+          <a:stretch>
+            <a:fillRect/>
+          </a:stretch>
+        </p:blipFill>
+        <p:spPr>
+          <a:xfrm>
+            <a:off x="3540731" y="854878"/>
+            <a:ext cx="2217730" cy="1880497"/>
+          </a:xfrm>
+          <a:prstGeom prst="rect">
+            <a:avLst/>
+          </a:prstGeom>
+          <a:ln w="3175">
+            <a:solidFill>
+              <a:schemeClr val="tx1"/>
+            </a:solidFill>
+          </a:ln>
+        </p:spPr>
+      </p:pic>
+      <p:pic>
+        <p:nvPicPr>
+          <p:cNvPr id="12" name="Picture 11"/>
+          <p:cNvPicPr>
+            <a:picLocks noChangeAspect="1"/>
+          </p:cNvPicPr>
+          <p:nvPr/>
+        </p:nvPicPr>
+        <p:blipFill>
+          <a:blip r:embed="rId5">
+            <a:extLst>
+              <a:ext uri="{28A0092B-C50C-407E-A947-70E740481C1C}">
+                <a14:useLocalDpi xmlns:a14="http://schemas.microsoft.com/office/drawing/2010/main" val="0"/>
+              </a:ext>
+            </a:extLst>
+          </a:blip>
+          <a:stretch>
+            <a:fillRect/>
+          </a:stretch>
+        </p:blipFill>
+        <p:spPr>
+          <a:xfrm>
+            <a:off x="59188" y="6042663"/>
+            <a:ext cx="2217730" cy="1880497"/>
+          </a:xfrm>
+          <a:prstGeom prst="rect">
+            <a:avLst/>
+          </a:prstGeom>
+          <a:ln w="3175">
+            <a:solidFill>
+              <a:schemeClr val="tx1"/>
+            </a:solidFill>
+          </a:ln>
+        </p:spPr>
+      </p:pic>
+      <p:pic>
+        <p:nvPicPr>
+          <p:cNvPr id="13" name="Picture 12"/>
+          <p:cNvPicPr>
+            <a:picLocks noChangeAspect="1"/>
+          </p:cNvPicPr>
+          <p:nvPr/>
+        </p:nvPicPr>
+        <p:blipFill>
+          <a:blip r:embed="rId5">
+            <a:extLst>
+              <a:ext uri="{28A0092B-C50C-407E-A947-70E740481C1C}">
+                <a14:useLocalDpi xmlns:a14="http://schemas.microsoft.com/office/drawing/2010/main" val="0"/>
+              </a:ext>
+            </a:extLst>
+          </a:blip>
+          <a:stretch>
+            <a:fillRect/>
+          </a:stretch>
+        </p:blipFill>
+        <p:spPr>
+          <a:xfrm>
+            <a:off x="641533" y="3858629"/>
+            <a:ext cx="2217730" cy="1880497"/>
+          </a:xfrm>
+          <a:prstGeom prst="rect">
+            <a:avLst/>
+          </a:prstGeom>
+          <a:ln w="3175">
+            <a:solidFill>
+              <a:schemeClr val="tx1"/>
+            </a:solidFill>
+          </a:ln>
+        </p:spPr>
+      </p:pic>
+      <p:pic>
+        <p:nvPicPr>
+          <p:cNvPr id="14" name="Picture 13"/>
+          <p:cNvPicPr>
+            <a:picLocks noChangeAspect="1"/>
+          </p:cNvPicPr>
+          <p:nvPr/>
+        </p:nvPicPr>
+        <p:blipFill>
+          <a:blip r:embed="rId5">
+            <a:extLst>
+              <a:ext uri="{28A0092B-C50C-407E-A947-70E740481C1C}">
+                <a14:useLocalDpi xmlns:a14="http://schemas.microsoft.com/office/drawing/2010/main" val="0"/>
+              </a:ext>
+            </a:extLst>
+          </a:blip>
+          <a:stretch>
+            <a:fillRect/>
+          </a:stretch>
+        </p:blipFill>
+        <p:spPr>
+          <a:xfrm>
+            <a:off x="6691647" y="3476260"/>
+            <a:ext cx="3511405" cy="2977454"/>
+          </a:xfrm>
+          <a:prstGeom prst="rect">
+            <a:avLst/>
+          </a:prstGeom>
+          <a:ln w="3175">
+            <a:solidFill>
+              <a:schemeClr val="tx1"/>
+            </a:solidFill>
+          </a:ln>
+        </p:spPr>
+      </p:pic>
+      <p:cxnSp>
+        <p:nvCxnSpPr>
+          <p:cNvPr id="16" name="Straight Arrow Connector 15"/>
+          <p:cNvCxnSpPr>
+            <a:stCxn id="11" idx="2"/>
+            <a:endCxn id="6" idx="0"/>
+          </p:cNvCxnSpPr>
+          <p:nvPr/>
+        </p:nvCxnSpPr>
+        <p:spPr>
+          <a:xfrm flipH="1">
+            <a:off x="4648995" y="2735375"/>
+            <a:ext cx="601" cy="378085"/>
+          </a:xfrm>
+          <a:prstGeom prst="straightConnector1">
+            <a:avLst/>
+          </a:prstGeom>
+          <a:ln w="12700">
+            <a:tailEnd type="triangle"/>
+          </a:ln>
+        </p:spPr>
+        <p:style>
+          <a:lnRef idx="1">
+            <a:schemeClr val="dk1"/>
+          </a:lnRef>
+          <a:fillRef idx="0">
+            <a:schemeClr val="dk1"/>
+          </a:fillRef>
+          <a:effectRef idx="0">
+            <a:schemeClr val="dk1"/>
+          </a:effectRef>
+          <a:fontRef idx="minor">
+            <a:schemeClr val="tx1"/>
+          </a:fontRef>
+        </p:style>
+      </p:cxnSp>
+      <p:cxnSp>
+        <p:nvCxnSpPr>
+          <p:cNvPr id="18" name="Straight Arrow Connector 17"/>
+          <p:cNvCxnSpPr>
+            <a:stCxn id="13" idx="0"/>
+            <a:endCxn id="4" idx="2"/>
+          </p:cNvCxnSpPr>
+          <p:nvPr/>
+        </p:nvCxnSpPr>
+        <p:spPr>
+          <a:xfrm flipV="1">
+            <a:off x="1750398" y="3375131"/>
+            <a:ext cx="1" cy="483498"/>
+          </a:xfrm>
+          <a:prstGeom prst="straightConnector1">
+            <a:avLst/>
+          </a:prstGeom>
+          <a:ln w="12700">
+            <a:solidFill>
+              <a:schemeClr val="tx1"/>
+            </a:solidFill>
+            <a:tailEnd type="triangle"/>
+          </a:ln>
+        </p:spPr>
+        <p:style>
+          <a:lnRef idx="1">
+            <a:schemeClr val="dk1"/>
+          </a:lnRef>
+          <a:fillRef idx="0">
+            <a:schemeClr val="dk1"/>
+          </a:fillRef>
+          <a:effectRef idx="0">
+            <a:schemeClr val="dk1"/>
+          </a:effectRef>
+          <a:fontRef idx="minor">
+            <a:schemeClr val="tx1"/>
+          </a:fontRef>
+        </p:style>
+      </p:cxnSp>
+      <p:cxnSp>
+        <p:nvCxnSpPr>
+          <p:cNvPr id="22" name="Straight Arrow Connector 21"/>
+          <p:cNvCxnSpPr>
+            <a:stCxn id="14" idx="0"/>
+            <a:endCxn id="5" idx="2"/>
+          </p:cNvCxnSpPr>
+          <p:nvPr/>
+        </p:nvCxnSpPr>
+        <p:spPr>
+          <a:xfrm flipH="1" flipV="1">
+            <a:off x="8447349" y="2998302"/>
+            <a:ext cx="1" cy="477958"/>
+          </a:xfrm>
+          <a:prstGeom prst="straightConnector1">
+            <a:avLst/>
+          </a:prstGeom>
+          <a:ln>
+            <a:tailEnd type="triangle"/>
+          </a:ln>
+        </p:spPr>
+        <p:style>
+          <a:lnRef idx="1">
+            <a:schemeClr val="dk1"/>
+          </a:lnRef>
+          <a:fillRef idx="0">
+            <a:schemeClr val="dk1"/>
+          </a:fillRef>
+          <a:effectRef idx="0">
+            <a:schemeClr val="dk1"/>
+          </a:effectRef>
+          <a:fontRef idx="minor">
+            <a:schemeClr val="tx1"/>
+          </a:fontRef>
+        </p:style>
+      </p:cxnSp>
+      <p:cxnSp>
+        <p:nvCxnSpPr>
+          <p:cNvPr id="24" name="Straight Arrow Connector 23"/>
+          <p:cNvCxnSpPr>
+            <a:stCxn id="14" idx="3"/>
+            <a:endCxn id="7" idx="1"/>
+          </p:cNvCxnSpPr>
+          <p:nvPr/>
+        </p:nvCxnSpPr>
+        <p:spPr>
+          <a:xfrm>
+            <a:off x="10203052" y="4964987"/>
+            <a:ext cx="235004" cy="0"/>
+          </a:xfrm>
+          <a:prstGeom prst="straightConnector1">
+            <a:avLst/>
+          </a:prstGeom>
+          <a:ln w="12700">
+            <a:tailEnd type="triangle"/>
+          </a:ln>
+        </p:spPr>
+        <p:style>
+          <a:lnRef idx="1">
+            <a:schemeClr val="dk1"/>
+          </a:lnRef>
+          <a:fillRef idx="0">
+            <a:schemeClr val="dk1"/>
+          </a:fillRef>
+          <a:effectRef idx="0">
+            <a:schemeClr val="dk1"/>
+          </a:effectRef>
+          <a:fontRef idx="minor">
+            <a:schemeClr val="tx1"/>
+          </a:fontRef>
+        </p:style>
+      </p:cxnSp>
+      <p:cxnSp>
+        <p:nvCxnSpPr>
+          <p:cNvPr id="26" name="Straight Arrow Connector 25"/>
+          <p:cNvCxnSpPr>
+            <a:stCxn id="14" idx="2"/>
+            <a:endCxn id="8" idx="0"/>
+          </p:cNvCxnSpPr>
+          <p:nvPr/>
+        </p:nvCxnSpPr>
+        <p:spPr>
+          <a:xfrm flipH="1">
+            <a:off x="8447348" y="6453714"/>
+            <a:ext cx="2" cy="365805"/>
+          </a:xfrm>
+          <a:prstGeom prst="straightConnector1">
+            <a:avLst/>
+          </a:prstGeom>
+          <a:ln>
+            <a:tailEnd type="triangle"/>
+          </a:ln>
+        </p:spPr>
+        <p:style>
+          <a:lnRef idx="1">
+            <a:schemeClr val="dk1"/>
+          </a:lnRef>
+          <a:fillRef idx="0">
+            <a:schemeClr val="dk1"/>
+          </a:fillRef>
+          <a:effectRef idx="0">
+            <a:schemeClr val="dk1"/>
+          </a:effectRef>
+          <a:fontRef idx="minor">
+            <a:schemeClr val="tx1"/>
+          </a:fontRef>
+        </p:style>
+      </p:cxnSp>
+      <p:cxnSp>
+        <p:nvCxnSpPr>
+          <p:cNvPr id="30" name="Straight Arrow Connector 29"/>
+          <p:cNvCxnSpPr>
+            <a:stCxn id="12" idx="3"/>
+            <a:endCxn id="9" idx="1"/>
+          </p:cNvCxnSpPr>
+          <p:nvPr/>
+        </p:nvCxnSpPr>
+        <p:spPr>
+          <a:xfrm>
+            <a:off x="2276918" y="6982912"/>
+            <a:ext cx="508585" cy="695"/>
+          </a:xfrm>
+          <a:prstGeom prst="straightConnector1">
+            <a:avLst/>
+          </a:prstGeom>
+          <a:ln w="12700">
+            <a:tailEnd type="triangle"/>
+          </a:ln>
+        </p:spPr>
+        <p:style>
+          <a:lnRef idx="1">
+            <a:schemeClr val="dk1"/>
+          </a:lnRef>
+          <a:fillRef idx="0">
+            <a:schemeClr val="dk1"/>
+          </a:fillRef>
+          <a:effectRef idx="0">
+            <a:schemeClr val="dk1"/>
+          </a:effectRef>
+          <a:fontRef idx="minor">
+            <a:schemeClr val="tx1"/>
+          </a:fontRef>
+        </p:style>
+      </p:cxnSp>
+      <p:sp>
+        <p:nvSpPr>
+          <p:cNvPr id="38" name="Right Arrow 37"/>
+          <p:cNvSpPr/>
+          <p:nvPr/>
+        </p:nvSpPr>
+        <p:spPr>
+          <a:xfrm>
+            <a:off x="5506051" y="4392809"/>
+            <a:ext cx="1132074" cy="549139"/>
+          </a:xfrm>
+          <a:prstGeom prst="rightArrow">
+            <a:avLst/>
+          </a:prstGeom>
+        </p:spPr>
+        <p:style>
+          <a:lnRef idx="2">
+            <a:schemeClr val="dk1"/>
+          </a:lnRef>
+          <a:fillRef idx="1">
+            <a:schemeClr val="lt1"/>
+          </a:fillRef>
+          <a:effectRef idx="0">
+            <a:schemeClr val="dk1"/>
+          </a:effectRef>
+          <a:fontRef idx="minor">
+            <a:schemeClr val="dk1"/>
+          </a:fontRef>
+        </p:style>
+        <p:txBody>
+          <a:bodyPr rtlCol="0" anchor="ctr"/>
+          <a:lstStyle/>
+          <a:p>
+            <a:pPr algn="ctr"/>
+            <a:endParaRPr lang="de-CH" sz="2400" dirty="0"/>
+          </a:p>
+        </p:txBody>
+      </p:sp>
+    </p:spTree>
+    <p:extLst>
+      <p:ext uri="{BB962C8B-B14F-4D97-AF65-F5344CB8AC3E}">
+        <p14:creationId xmlns:p14="http://schemas.microsoft.com/office/powerpoint/2010/main" val="750983236"/>
+      </p:ext>
+    </p:extLst>
+  </p:cSld>
+  <p:clrMapOvr>
+    <a:masterClrMapping/>
+  </p:clrMapOvr>
+</p:sld>
+</file>
+
+<file path=ppt/slides/slide4.xml><?xml version="1.0" encoding="utf-8"?>
+<p:sld xmlns:a="http://schemas.openxmlformats.org/drawingml/2006/main" xmlns:r="http://schemas.openxmlformats.org/officeDocument/2006/relationships" xmlns:p="http://schemas.openxmlformats.org/presentationml/2006/main">
+  <p:cSld>
+    <p:spTree>
+      <p:nvGrpSpPr>
+        <p:cNvPr id="1" name=""/>
+        <p:cNvGrpSpPr/>
+        <p:nvPr/>
+      </p:nvGrpSpPr>
+      <p:grpSpPr>
+        <a:xfrm>
+          <a:off x="0" y="0"/>
+          <a:ext cx="0" cy="0"/>
+          <a:chOff x="0" y="0"/>
+          <a:chExt cx="0" cy="0"/>
+        </a:xfrm>
+      </p:grpSpPr>
+      <p:sp>
+        <p:nvSpPr>
+          <p:cNvPr id="2" name="Title 1"/>
+          <p:cNvSpPr>
+            <a:spLocks noGrp="1"/>
+          </p:cNvSpPr>
+          <p:nvPr>
+            <p:ph type="title"/>
+          </p:nvPr>
+        </p:nvSpPr>
+        <p:spPr/>
+        <p:txBody>
+          <a:bodyPr/>
+          <a:lstStyle/>
+          <a:p>
+            <a:endParaRPr lang="de-CH"/>
+          </a:p>
+        </p:txBody>
+      </p:sp>
+      <p:sp>
+        <p:nvSpPr>
+          <p:cNvPr id="3" name="Content Placeholder 2"/>
+          <p:cNvSpPr>
+            <a:spLocks noGrp="1"/>
+          </p:cNvSpPr>
+          <p:nvPr>
+            <p:ph idx="1"/>
+          </p:nvPr>
+        </p:nvSpPr>
+        <p:spPr/>
+        <p:txBody>
+          <a:bodyPr/>
+          <a:lstStyle/>
+          <a:p>
+            <a:endParaRPr lang="de-CH"/>
+          </a:p>
+        </p:txBody>
+      </p:sp>
+    </p:spTree>
+    <p:extLst>
+      <p:ext uri="{BB962C8B-B14F-4D97-AF65-F5344CB8AC3E}">
+        <p14:creationId xmlns:p14="http://schemas.microsoft.com/office/powerpoint/2010/main" val="773171257"/>
+      </p:ext>
+    </p:extLst>
+  </p:cSld>
+  <p:clrMapOvr>
+    <a:masterClrMapping/>
+  </p:clrMapOvr>
+</p:sld>
+</file>
+
 <file path=ppt/theme/theme1.xml><?xml version="1.0" encoding="utf-8"?>
 <a:theme xmlns:a="http://schemas.openxmlformats.org/drawingml/2006/main" name="Office Theme">
   <a:themeElements>
-    <a:clrScheme name="Office">
+    <a:clrScheme name="Office Theme">
       <a:dk1>
         <a:sysClr val="windowText" lastClr="000000"/>
       </a:dk1>
@@ -4162,7 +4847,7 @@
         <a:srgbClr val="954F72"/>
       </a:folHlink>
     </a:clrScheme>
-    <a:fontScheme name="Office">
+    <a:fontScheme name="Office Theme">
       <a:majorFont>
         <a:latin typeface="Calibri Light" panose="020F0302020204030204"/>
         <a:ea typeface=""/>
@@ -4234,7 +4919,7 @@
         <a:font script="Geor" typeface="Sylfaen"/>
       </a:minorFont>
     </a:fontScheme>
-    <a:fmtScheme name="Office">
+    <a:fmtScheme name="Office Theme">
       <a:fillStyleLst>
         <a:solidFill>
           <a:schemeClr val="phClr"/>
